--- a/organisation/documentation/anwendung_präsi_folien/Gesamtpräsi.pptx
+++ b/organisation/documentation/anwendung_präsi_folien/Gesamtpräsi.pptx
@@ -8,23 +8,22 @@
     <p:sldId id="257" r:id="rId2"/>
     <p:sldId id="258" r:id="rId3"/>
     <p:sldId id="259" r:id="rId4"/>
-    <p:sldId id="276" r:id="rId5"/>
-    <p:sldId id="260" r:id="rId6"/>
-    <p:sldId id="261" r:id="rId7"/>
-    <p:sldId id="262" r:id="rId8"/>
-    <p:sldId id="263" r:id="rId9"/>
-    <p:sldId id="264" r:id="rId10"/>
-    <p:sldId id="265" r:id="rId11"/>
-    <p:sldId id="266" r:id="rId12"/>
-    <p:sldId id="267" r:id="rId13"/>
-    <p:sldId id="268" r:id="rId14"/>
-    <p:sldId id="269" r:id="rId15"/>
-    <p:sldId id="270" r:id="rId16"/>
-    <p:sldId id="271" r:id="rId17"/>
-    <p:sldId id="272" r:id="rId18"/>
-    <p:sldId id="273" r:id="rId19"/>
-    <p:sldId id="274" r:id="rId20"/>
-    <p:sldId id="275" r:id="rId21"/>
+    <p:sldId id="260" r:id="rId5"/>
+    <p:sldId id="261" r:id="rId6"/>
+    <p:sldId id="262" r:id="rId7"/>
+    <p:sldId id="263" r:id="rId8"/>
+    <p:sldId id="264" r:id="rId9"/>
+    <p:sldId id="265" r:id="rId10"/>
+    <p:sldId id="266" r:id="rId11"/>
+    <p:sldId id="267" r:id="rId12"/>
+    <p:sldId id="268" r:id="rId13"/>
+    <p:sldId id="269" r:id="rId14"/>
+    <p:sldId id="270" r:id="rId15"/>
+    <p:sldId id="271" r:id="rId16"/>
+    <p:sldId id="272" r:id="rId17"/>
+    <p:sldId id="273" r:id="rId18"/>
+    <p:sldId id="274" r:id="rId19"/>
+    <p:sldId id="275" r:id="rId20"/>
   </p:sldIdLst>
   <p:sldSz cx="9144000" cy="6858000" type="screen4x3"/>
   <p:notesSz cx="6858000" cy="9144000"/>
@@ -6667,336 +6666,6 @@
           <a:chExt cx="0" cy="0"/>
         </a:xfrm>
       </p:grpSpPr>
-      <p:sp>
-        <p:nvSpPr>
-          <p:cNvPr id="2" name="Titel 1">
-            <a:extLst>
-              <a:ext uri="{FF2B5EF4-FFF2-40B4-BE49-F238E27FC236}">
-                <a16:creationId xmlns:a16="http://schemas.microsoft.com/office/drawing/2014/main" id="{D3DF4B46-4EB5-4FDC-9364-0FF6DF149C63}"/>
-              </a:ext>
-            </a:extLst>
-          </p:cNvPr>
-          <p:cNvSpPr>
-            <a:spLocks noGrp="1"/>
-          </p:cNvSpPr>
-          <p:nvPr>
-            <p:ph type="title"/>
-          </p:nvPr>
-        </p:nvSpPr>
-        <p:spPr/>
-        <p:txBody>
-          <a:bodyPr>
-            <a:normAutofit/>
-          </a:bodyPr>
-          <a:lstStyle/>
-          <a:p>
-            <a:r>
-              <a:rPr lang="de-DE" sz="2000" b="0" dirty="0">
-                <a:solidFill>
-                  <a:schemeClr val="tx1"/>
-                </a:solidFill>
-                <a:effectLst/>
-                <a:latin typeface="Arial" panose="020B0604020202020204" pitchFamily="34" charset="0"/>
-                <a:cs typeface="Arial" panose="020B0604020202020204" pitchFamily="34" charset="0"/>
-              </a:rPr>
-              <a:t>Beschreibung der gewählten Software-Architektur  </a:t>
-            </a:r>
-          </a:p>
-          <a:p>
-            <a:endParaRPr lang="de-DE" sz="2000" b="0" dirty="0">
-              <a:solidFill>
-                <a:schemeClr val="tx1"/>
-              </a:solidFill>
-              <a:effectLst/>
-              <a:latin typeface="Arial" panose="020B0604020202020204" pitchFamily="34" charset="0"/>
-              <a:cs typeface="Arial" panose="020B0604020202020204" pitchFamily="34" charset="0"/>
-            </a:endParaRPr>
-          </a:p>
-        </p:txBody>
-      </p:sp>
-      <p:sp>
-        <p:nvSpPr>
-          <p:cNvPr id="3" name="Inhaltsplatzhalter 2">
-            <a:extLst>
-              <a:ext uri="{FF2B5EF4-FFF2-40B4-BE49-F238E27FC236}">
-                <a16:creationId xmlns:a16="http://schemas.microsoft.com/office/drawing/2014/main" id="{5D13EE06-EA6F-4B3B-8018-B0B41120DC91}"/>
-              </a:ext>
-            </a:extLst>
-          </p:cNvPr>
-          <p:cNvSpPr>
-            <a:spLocks noGrp="1"/>
-          </p:cNvSpPr>
-          <p:nvPr>
-            <p:ph idx="1"/>
-          </p:nvPr>
-        </p:nvSpPr>
-        <p:spPr/>
-        <p:txBody>
-          <a:bodyPr vert="horz" lIns="68580" tIns="34290" rIns="68580" bIns="34290" rtlCol="0" anchor="t">
-            <a:normAutofit fontScale="92500" lnSpcReduction="20000"/>
-          </a:bodyPr>
-          <a:lstStyle/>
-          <a:p>
-            <a:r>
-              <a:rPr lang="de-DE" sz="2000" b="0" dirty="0">
-                <a:solidFill>
-                  <a:schemeClr val="tx1"/>
-                </a:solidFill>
-                <a:effectLst/>
-                <a:latin typeface="Arial" panose="020B0604020202020204" pitchFamily="34" charset="0"/>
-                <a:cs typeface="Arial" panose="020B0604020202020204" pitchFamily="34" charset="0"/>
-              </a:rPr>
-              <a:t>Angular 5.2.4</a:t>
-            </a:r>
-          </a:p>
-          <a:p>
-            <a:r>
-              <a:rPr lang="de-DE" sz="2000" b="0" dirty="0" err="1">
-                <a:solidFill>
-                  <a:schemeClr val="tx1"/>
-                </a:solidFill>
-                <a:effectLst/>
-                <a:latin typeface="Arial" panose="020B0604020202020204" pitchFamily="34" charset="0"/>
-                <a:cs typeface="Arial" panose="020B0604020202020204" pitchFamily="34" charset="0"/>
-              </a:rPr>
-              <a:t>Typescript</a:t>
-            </a:r>
-            <a:r>
-              <a:rPr lang="de-DE" sz="2000" b="0" dirty="0">
-                <a:solidFill>
-                  <a:schemeClr val="tx1"/>
-                </a:solidFill>
-                <a:effectLst/>
-                <a:latin typeface="Arial" panose="020B0604020202020204" pitchFamily="34" charset="0"/>
-                <a:cs typeface="Arial" panose="020B0604020202020204" pitchFamily="34" charset="0"/>
-              </a:rPr>
-              <a:t> &amp; node.js</a:t>
-            </a:r>
-          </a:p>
-          <a:p>
-            <a:r>
-              <a:rPr lang="de-DE" sz="2000" b="0" dirty="0">
-                <a:solidFill>
-                  <a:schemeClr val="tx1"/>
-                </a:solidFill>
-                <a:effectLst/>
-                <a:latin typeface="Arial" panose="020B0604020202020204" pitchFamily="34" charset="0"/>
-                <a:cs typeface="Arial" panose="020B0604020202020204" pitchFamily="34" charset="0"/>
-              </a:rPr>
-              <a:t>Komponentenbasierte Architektur</a:t>
-            </a:r>
-          </a:p>
-          <a:p>
-            <a:r>
-              <a:rPr lang="de-DE" sz="2000" b="0" dirty="0">
-                <a:solidFill>
-                  <a:schemeClr val="tx1"/>
-                </a:solidFill>
-                <a:effectLst/>
-                <a:latin typeface="Arial" panose="020B0604020202020204" pitchFamily="34" charset="0"/>
-                <a:cs typeface="Arial" panose="020B0604020202020204" pitchFamily="34" charset="0"/>
-              </a:rPr>
-              <a:t>Flache </a:t>
-            </a:r>
-            <a:r>
-              <a:rPr lang="de-DE" sz="2000" b="0" dirty="0" err="1">
-                <a:solidFill>
-                  <a:schemeClr val="tx1"/>
-                </a:solidFill>
-                <a:effectLst/>
-                <a:latin typeface="Arial" panose="020B0604020202020204" pitchFamily="34" charset="0"/>
-                <a:cs typeface="Arial" panose="020B0604020202020204" pitchFamily="34" charset="0"/>
-              </a:rPr>
-              <a:t>Hierachie</a:t>
-            </a:r>
-            <a:r>
-              <a:rPr lang="de-DE" sz="2000" b="0" dirty="0">
-                <a:solidFill>
-                  <a:schemeClr val="tx1"/>
-                </a:solidFill>
-                <a:effectLst/>
-                <a:latin typeface="Arial" panose="020B0604020202020204" pitchFamily="34" charset="0"/>
-                <a:cs typeface="Arial" panose="020B0604020202020204" pitchFamily="34" charset="0"/>
-              </a:rPr>
-              <a:t>, keine tiefe Verschachtelung</a:t>
-            </a:r>
-          </a:p>
-          <a:p>
-            <a:r>
-              <a:rPr lang="de-DE" sz="2000" b="0" dirty="0">
-                <a:solidFill>
-                  <a:schemeClr val="tx1"/>
-                </a:solidFill>
-                <a:effectLst/>
-                <a:latin typeface="Arial" panose="020B0604020202020204" pitchFamily="34" charset="0"/>
-                <a:cs typeface="Arial" panose="020B0604020202020204" pitchFamily="34" charset="0"/>
-              </a:rPr>
-              <a:t>besteht aus </a:t>
-            </a:r>
-            <a:r>
-              <a:rPr lang="de-DE" sz="2000" b="0" dirty="0" err="1">
-                <a:solidFill>
-                  <a:schemeClr val="tx1"/>
-                </a:solidFill>
-                <a:effectLst/>
-                <a:latin typeface="Arial" panose="020B0604020202020204" pitchFamily="34" charset="0"/>
-                <a:cs typeface="Arial" panose="020B0604020202020204" pitchFamily="34" charset="0"/>
-              </a:rPr>
-              <a:t>Html</a:t>
-            </a:r>
-            <a:r>
-              <a:rPr lang="de-DE" sz="2000" b="0" dirty="0">
-                <a:solidFill>
-                  <a:schemeClr val="tx1"/>
-                </a:solidFill>
-                <a:effectLst/>
-                <a:latin typeface="Arial" panose="020B0604020202020204" pitchFamily="34" charset="0"/>
-                <a:cs typeface="Arial" panose="020B0604020202020204" pitchFamily="34" charset="0"/>
-              </a:rPr>
-              <a:t> , Komponentenklasse, Testklasse, Testklasse</a:t>
-            </a:r>
-          </a:p>
-          <a:p>
-            <a:r>
-              <a:rPr lang="de-DE" sz="2000" b="0" dirty="0">
-                <a:solidFill>
-                  <a:schemeClr val="tx1"/>
-                </a:solidFill>
-                <a:effectLst/>
-                <a:latin typeface="Arial" panose="020B0604020202020204" pitchFamily="34" charset="0"/>
-                <a:cs typeface="Arial" panose="020B0604020202020204" pitchFamily="34" charset="0"/>
-              </a:rPr>
-              <a:t>Auslagerung der Businesslogik in eigene Services</a:t>
-            </a:r>
-          </a:p>
-          <a:p>
-            <a:r>
-              <a:rPr lang="de-DE" sz="2000" b="0" dirty="0">
-                <a:solidFill>
-                  <a:schemeClr val="tx1"/>
-                </a:solidFill>
-                <a:effectLst/>
-                <a:latin typeface="Arial" panose="020B0604020202020204" pitchFamily="34" charset="0"/>
-                <a:cs typeface="Arial" panose="020B0604020202020204" pitchFamily="34" charset="0"/>
-              </a:rPr>
-              <a:t>Test Driven Development</a:t>
-            </a:r>
-          </a:p>
-          <a:p>
-            <a:r>
-              <a:rPr lang="de-DE" sz="2000" b="0" dirty="0">
-                <a:solidFill>
-                  <a:schemeClr val="tx1"/>
-                </a:solidFill>
-                <a:effectLst/>
-                <a:latin typeface="Arial" panose="020B0604020202020204" pitchFamily="34" charset="0"/>
-                <a:cs typeface="Arial" panose="020B0604020202020204" pitchFamily="34" charset="0"/>
-              </a:rPr>
-              <a:t>Backend :</a:t>
-            </a:r>
-            <a:r>
-              <a:rPr lang="de-DE" sz="2000" b="0" dirty="0" err="1">
-                <a:solidFill>
-                  <a:schemeClr val="tx1"/>
-                </a:solidFill>
-                <a:effectLst/>
-                <a:latin typeface="Arial" panose="020B0604020202020204" pitchFamily="34" charset="0"/>
-                <a:cs typeface="Arial" panose="020B0604020202020204" pitchFamily="34" charset="0"/>
-              </a:rPr>
-              <a:t>RESTSchnittstelle</a:t>
-            </a:r>
-            <a:r>
-              <a:rPr lang="de-DE" sz="2000" b="0" dirty="0">
-                <a:solidFill>
-                  <a:schemeClr val="tx1"/>
-                </a:solidFill>
-                <a:effectLst/>
-                <a:latin typeface="Arial" panose="020B0604020202020204" pitchFamily="34" charset="0"/>
-                <a:cs typeface="Arial" panose="020B0604020202020204" pitchFamily="34" charset="0"/>
-              </a:rPr>
-              <a:t> Data Access Objects &amp; Router</a:t>
-            </a:r>
-          </a:p>
-          <a:p>
-            <a:r>
-              <a:rPr lang="de-DE" sz="2000" b="0" dirty="0">
-                <a:solidFill>
-                  <a:schemeClr val="tx1"/>
-                </a:solidFill>
-                <a:effectLst/>
-                <a:latin typeface="Arial" panose="020B0604020202020204" pitchFamily="34" charset="0"/>
-                <a:cs typeface="Arial" panose="020B0604020202020204" pitchFamily="34" charset="0"/>
-              </a:rPr>
-              <a:t>Frontend: Routing Module , Komponenten, Services, </a:t>
-            </a:r>
-          </a:p>
-          <a:p>
-            <a:r>
-              <a:rPr lang="de-DE" sz="2000" b="0" dirty="0">
-                <a:solidFill>
-                  <a:schemeClr val="tx1"/>
-                </a:solidFill>
-                <a:effectLst/>
-                <a:latin typeface="Arial" panose="020B0604020202020204" pitchFamily="34" charset="0"/>
-                <a:cs typeface="Arial" panose="020B0604020202020204" pitchFamily="34" charset="0"/>
-              </a:rPr>
-              <a:t>Klar getrennte </a:t>
-            </a:r>
-            <a:r>
-              <a:rPr lang="de-DE" sz="2000" b="0" dirty="0" err="1">
-                <a:solidFill>
-                  <a:schemeClr val="tx1"/>
-                </a:solidFill>
-                <a:effectLst/>
-                <a:latin typeface="Arial" panose="020B0604020202020204" pitchFamily="34" charset="0"/>
-                <a:cs typeface="Arial" panose="020B0604020202020204" pitchFamily="34" charset="0"/>
-              </a:rPr>
-              <a:t>Augaben</a:t>
-            </a:r>
-            <a:r>
-              <a:rPr lang="de-DE" sz="2000" b="0" dirty="0">
-                <a:solidFill>
-                  <a:schemeClr val="tx1"/>
-                </a:solidFill>
-                <a:effectLst/>
-                <a:latin typeface="Arial" panose="020B0604020202020204" pitchFamily="34" charset="0"/>
-                <a:cs typeface="Arial" panose="020B0604020202020204" pitchFamily="34" charset="0"/>
-              </a:rPr>
-              <a:t> der Komponenten</a:t>
-            </a:r>
-          </a:p>
-        </p:txBody>
-      </p:sp>
-    </p:spTree>
-    <p:extLst>
-      <p:ext uri="{BB962C8B-B14F-4D97-AF65-F5344CB8AC3E}">
-        <p14:creationId xmlns:p14="http://schemas.microsoft.com/office/powerpoint/2010/main" val="3991984140"/>
-      </p:ext>
-    </p:extLst>
-  </p:cSld>
-  <p:clrMapOvr>
-    <a:masterClrMapping/>
-  </p:clrMapOvr>
-</p:sld>
-</file>
-
-<file path=ppt/slides/slide11.xml><?xml version="1.0" encoding="utf-8"?>
-<p:sld xmlns:a="http://schemas.openxmlformats.org/drawingml/2006/main" xmlns:r="http://schemas.openxmlformats.org/officeDocument/2006/relationships" xmlns:p="http://schemas.openxmlformats.org/presentationml/2006/main">
-  <p:cSld>
-    <p:spTree>
-      <p:nvGrpSpPr>
-        <p:cNvPr id="1" name=""/>
-        <p:cNvGrpSpPr/>
-        <p:nvPr/>
-      </p:nvGrpSpPr>
-      <p:grpSpPr>
-        <a:xfrm>
-          <a:off x="0" y="0"/>
-          <a:ext cx="0" cy="0"/>
-          <a:chOff x="0" y="0"/>
-          <a:chExt cx="0" cy="0"/>
-        </a:xfrm>
-      </p:grpSpPr>
       <p:pic>
         <p:nvPicPr>
           <p:cNvPr id="4" name="Grafik 4" descr="Ein Bild, das Text, Karte enthält.&#10;&#10;Mit sehr hoher Zuverlässigkeit generierte Beschreibung">
@@ -7110,7 +6779,7 @@
 </p:sld>
 </file>
 
-<file path=ppt/slides/slide12.xml><?xml version="1.0" encoding="utf-8"?>
+<file path=ppt/slides/slide11.xml><?xml version="1.0" encoding="utf-8"?>
 <p:sld xmlns:a="http://schemas.openxmlformats.org/drawingml/2006/main" xmlns:r="http://schemas.openxmlformats.org/officeDocument/2006/relationships" xmlns:p="http://schemas.openxmlformats.org/presentationml/2006/main">
   <p:cSld>
     <p:spTree>
@@ -7212,7 +6881,7 @@
 </p:sld>
 </file>
 
-<file path=ppt/slides/slide13.xml><?xml version="1.0" encoding="utf-8"?>
+<file path=ppt/slides/slide12.xml><?xml version="1.0" encoding="utf-8"?>
 <p:sld xmlns:a="http://schemas.openxmlformats.org/drawingml/2006/main" xmlns:r="http://schemas.openxmlformats.org/officeDocument/2006/relationships" xmlns:p="http://schemas.openxmlformats.org/presentationml/2006/main">
   <p:cSld>
     <p:spTree>
@@ -7309,7 +6978,7 @@
 </p:sld>
 </file>
 
-<file path=ppt/slides/slide14.xml><?xml version="1.0" encoding="utf-8"?>
+<file path=ppt/slides/slide13.xml><?xml version="1.0" encoding="utf-8"?>
 <p:sld xmlns:a="http://schemas.openxmlformats.org/drawingml/2006/main" xmlns:r="http://schemas.openxmlformats.org/officeDocument/2006/relationships" xmlns:p="http://schemas.openxmlformats.org/presentationml/2006/main">
   <p:cSld>
     <p:spTree>
@@ -7404,7 +7073,7 @@
 </p:sld>
 </file>
 
-<file path=ppt/slides/slide15.xml><?xml version="1.0" encoding="utf-8"?>
+<file path=ppt/slides/slide14.xml><?xml version="1.0" encoding="utf-8"?>
 <p:sld xmlns:a="http://schemas.openxmlformats.org/drawingml/2006/main" xmlns:r="http://schemas.openxmlformats.org/officeDocument/2006/relationships" xmlns:p="http://schemas.openxmlformats.org/presentationml/2006/main">
   <p:cSld>
     <p:spTree>
@@ -7499,7 +7168,7 @@
 </p:sld>
 </file>
 
-<file path=ppt/slides/slide16.xml><?xml version="1.0" encoding="utf-8"?>
+<file path=ppt/slides/slide15.xml><?xml version="1.0" encoding="utf-8"?>
 <p:sld xmlns:a="http://schemas.openxmlformats.org/drawingml/2006/main" xmlns:r="http://schemas.openxmlformats.org/officeDocument/2006/relationships" xmlns:p="http://schemas.openxmlformats.org/presentationml/2006/main">
   <p:cSld>
     <p:spTree>
@@ -7594,6 +7263,138 @@
 </p:sld>
 </file>
 
+<file path=ppt/slides/slide16.xml><?xml version="1.0" encoding="utf-8"?>
+<p:sld xmlns:a="http://schemas.openxmlformats.org/drawingml/2006/main" xmlns:r="http://schemas.openxmlformats.org/officeDocument/2006/relationships" xmlns:p="http://schemas.openxmlformats.org/presentationml/2006/main">
+  <p:cSld>
+    <p:spTree>
+      <p:nvGrpSpPr>
+        <p:cNvPr id="1" name=""/>
+        <p:cNvGrpSpPr/>
+        <p:nvPr/>
+      </p:nvGrpSpPr>
+      <p:grpSpPr>
+        <a:xfrm>
+          <a:off x="0" y="0"/>
+          <a:ext cx="0" cy="0"/>
+          <a:chOff x="0" y="0"/>
+          <a:chExt cx="0" cy="0"/>
+        </a:xfrm>
+      </p:grpSpPr>
+      <p:sp>
+        <p:nvSpPr>
+          <p:cNvPr id="2" name="Title 1"/>
+          <p:cNvSpPr>
+            <a:spLocks noGrp="1"/>
+          </p:cNvSpPr>
+          <p:nvPr>
+            <p:ph type="title"/>
+          </p:nvPr>
+        </p:nvSpPr>
+        <p:spPr/>
+        <p:txBody>
+          <a:bodyPr/>
+          <a:lstStyle/>
+          <a:p>
+            <a:r>
+              <a:rPr lang="de-DE" sz="2000" b="0" smtClean="0">
+                <a:solidFill>
+                  <a:schemeClr val="tx1"/>
+                </a:solidFill>
+                <a:effectLst/>
+                <a:latin typeface="Arial" panose="020B0604020202020204" pitchFamily="34" charset="0"/>
+                <a:cs typeface="Arial" panose="020B0604020202020204" pitchFamily="34" charset="0"/>
+              </a:rPr>
+              <a:t>Beschreibung der Durchführung</a:t>
+            </a:r>
+            <a:endParaRPr lang="de-DE" sz="2000" b="0">
+              <a:solidFill>
+                <a:schemeClr val="tx1"/>
+              </a:solidFill>
+              <a:effectLst/>
+              <a:latin typeface="Arial" panose="020B0604020202020204" pitchFamily="34" charset="0"/>
+              <a:cs typeface="Arial" panose="020B0604020202020204" pitchFamily="34" charset="0"/>
+            </a:endParaRPr>
+          </a:p>
+        </p:txBody>
+      </p:sp>
+      <p:sp>
+        <p:nvSpPr>
+          <p:cNvPr id="3" name="Text Placeholder 2"/>
+          <p:cNvSpPr>
+            <a:spLocks noGrp="1"/>
+          </p:cNvSpPr>
+          <p:nvPr>
+            <p:ph type="body"/>
+          </p:nvPr>
+        </p:nvSpPr>
+        <p:spPr/>
+        <p:txBody>
+          <a:bodyPr>
+            <a:normAutofit/>
+          </a:bodyPr>
+          <a:lstStyle/>
+          <a:p>
+            <a:r>
+              <a:rPr lang="de-DE" sz="2000" b="0" dirty="0" smtClean="0">
+                <a:solidFill>
+                  <a:schemeClr val="tx1"/>
+                </a:solidFill>
+                <a:effectLst/>
+                <a:latin typeface="Arial" panose="020B0604020202020204" pitchFamily="34" charset="0"/>
+                <a:cs typeface="Arial" panose="020B0604020202020204" pitchFamily="34" charset="0"/>
+              </a:rPr>
+              <a:t>Agile Softwareentwicklung „Scrum“</a:t>
+            </a:r>
+          </a:p>
+          <a:p>
+            <a:r>
+              <a:rPr lang="de-DE" sz="2000" b="0" dirty="0" smtClean="0">
+                <a:solidFill>
+                  <a:schemeClr val="tx1"/>
+                </a:solidFill>
+                <a:effectLst/>
+                <a:latin typeface="Arial" panose="020B0604020202020204" pitchFamily="34" charset="0"/>
+                <a:cs typeface="Arial" panose="020B0604020202020204" pitchFamily="34" charset="0"/>
+              </a:rPr>
+              <a:t>Durchführung via „Flying Donut“</a:t>
+            </a:r>
+          </a:p>
+          <a:p>
+            <a:r>
+              <a:rPr lang="de-DE" sz="2000" b="0" dirty="0" smtClean="0">
+                <a:solidFill>
+                  <a:schemeClr val="tx1"/>
+                </a:solidFill>
+                <a:effectLst/>
+                <a:latin typeface="Arial" panose="020B0604020202020204" pitchFamily="34" charset="0"/>
+                <a:cs typeface="Arial" panose="020B0604020202020204" pitchFamily="34" charset="0"/>
+              </a:rPr>
+              <a:t>Git Integration</a:t>
+            </a:r>
+            <a:endParaRPr lang="de-DE" sz="2000" b="0" dirty="0">
+              <a:solidFill>
+                <a:schemeClr val="tx1"/>
+              </a:solidFill>
+              <a:effectLst/>
+              <a:latin typeface="Arial" panose="020B0604020202020204" pitchFamily="34" charset="0"/>
+              <a:cs typeface="Arial" panose="020B0604020202020204" pitchFamily="34" charset="0"/>
+            </a:endParaRPr>
+          </a:p>
+        </p:txBody>
+      </p:sp>
+    </p:spTree>
+    <p:extLst>
+      <p:ext uri="{BB962C8B-B14F-4D97-AF65-F5344CB8AC3E}">
+        <p14:creationId xmlns:p14="http://schemas.microsoft.com/office/powerpoint/2010/main" val="619479878"/>
+      </p:ext>
+    </p:extLst>
+  </p:cSld>
+  <p:clrMapOvr>
+    <a:masterClrMapping/>
+  </p:clrMapOvr>
+</p:sld>
+</file>
+
 <file path=ppt/slides/slide17.xml><?xml version="1.0" encoding="utf-8"?>
 <p:sld xmlns:a="http://schemas.openxmlformats.org/drawingml/2006/main" xmlns:r="http://schemas.openxmlformats.org/officeDocument/2006/relationships" xmlns:p="http://schemas.openxmlformats.org/presentationml/2006/main">
   <p:cSld>
@@ -7627,45 +7428,6 @@
           <a:lstStyle/>
           <a:p>
             <a:r>
-              <a:rPr lang="de-DE" sz="2000" b="0" smtClean="0">
-                <a:solidFill>
-                  <a:schemeClr val="tx1"/>
-                </a:solidFill>
-                <a:effectLst/>
-                <a:latin typeface="Arial" panose="020B0604020202020204" pitchFamily="34" charset="0"/>
-                <a:cs typeface="Arial" panose="020B0604020202020204" pitchFamily="34" charset="0"/>
-              </a:rPr>
-              <a:t>Beschreibung der Durchführung</a:t>
-            </a:r>
-            <a:endParaRPr lang="de-DE" sz="2000" b="0">
-              <a:solidFill>
-                <a:schemeClr val="tx1"/>
-              </a:solidFill>
-              <a:effectLst/>
-              <a:latin typeface="Arial" panose="020B0604020202020204" pitchFamily="34" charset="0"/>
-              <a:cs typeface="Arial" panose="020B0604020202020204" pitchFamily="34" charset="0"/>
-            </a:endParaRPr>
-          </a:p>
-        </p:txBody>
-      </p:sp>
-      <p:sp>
-        <p:nvSpPr>
-          <p:cNvPr id="3" name="Text Placeholder 2"/>
-          <p:cNvSpPr>
-            <a:spLocks noGrp="1"/>
-          </p:cNvSpPr>
-          <p:nvPr>
-            <p:ph type="body"/>
-          </p:nvPr>
-        </p:nvSpPr>
-        <p:spPr/>
-        <p:txBody>
-          <a:bodyPr>
-            <a:normAutofit/>
-          </a:bodyPr>
-          <a:lstStyle/>
-          <a:p>
-            <a:r>
               <a:rPr lang="de-DE" sz="2000" b="0" dirty="0" smtClean="0">
                 <a:solidFill>
                   <a:schemeClr val="tx1"/>
@@ -7674,33 +7436,7 @@
                 <a:latin typeface="Arial" panose="020B0604020202020204" pitchFamily="34" charset="0"/>
                 <a:cs typeface="Arial" panose="020B0604020202020204" pitchFamily="34" charset="0"/>
               </a:rPr>
-              <a:t>Agile Softwareentwicklung „Scrum“</a:t>
-            </a:r>
-          </a:p>
-          <a:p>
-            <a:r>
-              <a:rPr lang="de-DE" sz="2000" b="0" dirty="0" smtClean="0">
-                <a:solidFill>
-                  <a:schemeClr val="tx1"/>
-                </a:solidFill>
-                <a:effectLst/>
-                <a:latin typeface="Arial" panose="020B0604020202020204" pitchFamily="34" charset="0"/>
-                <a:cs typeface="Arial" panose="020B0604020202020204" pitchFamily="34" charset="0"/>
-              </a:rPr>
-              <a:t>Durchführung via „Flying Donut“</a:t>
-            </a:r>
-          </a:p>
-          <a:p>
-            <a:r>
-              <a:rPr lang="de-DE" sz="2000" b="0" dirty="0" smtClean="0">
-                <a:solidFill>
-                  <a:schemeClr val="tx1"/>
-                </a:solidFill>
-                <a:effectLst/>
-                <a:latin typeface="Arial" panose="020B0604020202020204" pitchFamily="34" charset="0"/>
-                <a:cs typeface="Arial" panose="020B0604020202020204" pitchFamily="34" charset="0"/>
-              </a:rPr>
-              <a:t>Git Integration</a:t>
+              <a:t>Beschreibung der Problematiken</a:t>
             </a:r>
             <a:endParaRPr lang="de-DE" sz="2000" b="0" dirty="0">
               <a:solidFill>
@@ -7713,10 +7449,70 @@
           </a:p>
         </p:txBody>
       </p:sp>
+      <p:sp>
+        <p:nvSpPr>
+          <p:cNvPr id="3" name="Text Placeholder 2"/>
+          <p:cNvSpPr>
+            <a:spLocks noGrp="1"/>
+          </p:cNvSpPr>
+          <p:nvPr>
+            <p:ph type="body"/>
+          </p:nvPr>
+        </p:nvSpPr>
+        <p:spPr>
+          <a:xfrm>
+            <a:off x="467944" y="1605033"/>
+            <a:ext cx="8228763" cy="3977393"/>
+          </a:xfrm>
+        </p:spPr>
+        <p:txBody>
+          <a:bodyPr/>
+          <a:lstStyle/>
+          <a:p>
+            <a:r>
+              <a:rPr lang="de-DE" sz="2000" b="0" dirty="0" smtClean="0">
+                <a:solidFill>
+                  <a:schemeClr val="tx1"/>
+                </a:solidFill>
+                <a:effectLst/>
+                <a:latin typeface="Arial" panose="020B0604020202020204" pitchFamily="34" charset="0"/>
+                <a:cs typeface="Arial" panose="020B0604020202020204" pitchFamily="34" charset="0"/>
+              </a:rPr>
+              <a:t>Entwicklungszyklus &amp; Termine</a:t>
+            </a:r>
+          </a:p>
+          <a:p>
+            <a:r>
+              <a:rPr lang="de-DE" sz="2000" b="0" dirty="0" smtClean="0">
+                <a:solidFill>
+                  <a:schemeClr val="tx1"/>
+                </a:solidFill>
+                <a:effectLst/>
+                <a:latin typeface="Arial" panose="020B0604020202020204" pitchFamily="34" charset="0"/>
+                <a:cs typeface="Arial" panose="020B0604020202020204" pitchFamily="34" charset="0"/>
+              </a:rPr>
+              <a:t>Veränderungen im Team</a:t>
+            </a:r>
+          </a:p>
+          <a:p>
+            <a:r>
+              <a:rPr lang="de-DE" sz="2000" b="0" dirty="0" smtClean="0">
+                <a:solidFill>
+                  <a:schemeClr val="tx1"/>
+                </a:solidFill>
+                <a:effectLst/>
+                <a:latin typeface="Arial" panose="020B0604020202020204" pitchFamily="34" charset="0"/>
+                <a:cs typeface="Arial" panose="020B0604020202020204" pitchFamily="34" charset="0"/>
+              </a:rPr>
+              <a:t>Fehleinschätzungen</a:t>
+            </a:r>
+          </a:p>
+        </p:txBody>
+      </p:sp>
     </p:spTree>
     <p:extLst>
       <p:ext uri="{BB962C8B-B14F-4D97-AF65-F5344CB8AC3E}">
-        <p14:creationId xmlns:p14="http://schemas.microsoft.com/office/powerpoint/2010/main" val="619479878"/>
+        <p14:creationId xmlns:p14="http://schemas.microsoft.com/office/powerpoint/2010/main" val="4147717178"/>
       </p:ext>
     </p:extLst>
   </p:cSld>
@@ -7745,31 +7541,42 @@
       </p:grpSpPr>
       <p:sp>
         <p:nvSpPr>
-          <p:cNvPr id="2" name="Title 1"/>
-          <p:cNvSpPr>
-            <a:spLocks noGrp="1"/>
-          </p:cNvSpPr>
-          <p:nvPr>
-            <p:ph type="title"/>
-          </p:nvPr>
-        </p:nvSpPr>
-        <p:spPr/>
+          <p:cNvPr id="2" name="Titel 1">
+            <a:extLst>
+              <a:ext uri="{FF2B5EF4-FFF2-40B4-BE49-F238E27FC236}">
+                <a16:creationId xmlns:a16="http://schemas.microsoft.com/office/drawing/2014/main" id="{D1BB4B19-6A71-4A7C-93CD-4E317E195610}"/>
+              </a:ext>
+            </a:extLst>
+          </p:cNvPr>
+          <p:cNvSpPr>
+            <a:spLocks noGrp="1"/>
+          </p:cNvSpPr>
+          <p:nvPr>
+            <p:ph type="ctrTitle"/>
+          </p:nvPr>
+        </p:nvSpPr>
+        <p:spPr>
+          <a:xfrm>
+            <a:off x="1143000" y="109708"/>
+            <a:ext cx="6858000" cy="1790700"/>
+          </a:xfrm>
+        </p:spPr>
         <p:txBody>
           <a:bodyPr/>
           <a:lstStyle/>
           <a:p>
             <a:r>
-              <a:rPr lang="de-DE" sz="2000" b="0" dirty="0" smtClean="0">
-                <a:solidFill>
-                  <a:schemeClr val="tx1"/>
-                </a:solidFill>
-                <a:effectLst/>
-                <a:latin typeface="Arial" panose="020B0604020202020204" pitchFamily="34" charset="0"/>
-                <a:cs typeface="Arial" panose="020B0604020202020204" pitchFamily="34" charset="0"/>
-              </a:rPr>
-              <a:t>Beschreibung der Problematiken</a:t>
-            </a:r>
-            <a:endParaRPr lang="de-DE" sz="2000" b="0" dirty="0">
+              <a:rPr lang="en-GB" sz="2000" b="0" dirty="0" err="1">
+                <a:solidFill>
+                  <a:schemeClr val="tx1"/>
+                </a:solidFill>
+                <a:effectLst/>
+                <a:latin typeface="Arial" panose="020B0604020202020204" pitchFamily="34" charset="0"/>
+                <a:cs typeface="Arial" panose="020B0604020202020204" pitchFamily="34" charset="0"/>
+              </a:rPr>
+              <a:t>Fazit</a:t>
+            </a:r>
+            <a:endParaRPr lang="en-GB" sz="2000" b="0" dirty="0">
               <a:solidFill>
                 <a:schemeClr val="tx1"/>
               </a:solidFill>
@@ -7782,68 +7589,495 @@
       </p:sp>
       <p:sp>
         <p:nvSpPr>
-          <p:cNvPr id="3" name="Text Placeholder 2"/>
-          <p:cNvSpPr>
-            <a:spLocks noGrp="1"/>
-          </p:cNvSpPr>
-          <p:nvPr>
-            <p:ph type="body"/>
+          <p:cNvPr id="3" name="Untertitel 2">
+            <a:extLst>
+              <a:ext uri="{FF2B5EF4-FFF2-40B4-BE49-F238E27FC236}">
+                <a16:creationId xmlns:a16="http://schemas.microsoft.com/office/drawing/2014/main" id="{7BE29A1C-2F49-45B9-B717-FACE1BB51629}"/>
+              </a:ext>
+            </a:extLst>
+          </p:cNvPr>
+          <p:cNvSpPr>
+            <a:spLocks noGrp="1"/>
+          </p:cNvSpPr>
+          <p:nvPr>
+            <p:ph type="subTitle" idx="1"/>
           </p:nvPr>
         </p:nvSpPr>
         <p:spPr>
           <a:xfrm>
-            <a:off x="467944" y="1605033"/>
-            <a:ext cx="8228763" cy="3977393"/>
+            <a:off x="1143000" y="2187178"/>
+            <a:ext cx="6858000" cy="3666614"/>
           </a:xfrm>
         </p:spPr>
         <p:txBody>
-          <a:bodyPr/>
+          <a:bodyPr>
+            <a:normAutofit/>
+          </a:bodyPr>
           <a:lstStyle/>
           <a:p>
-            <a:r>
-              <a:rPr lang="de-DE" sz="2000" b="0" dirty="0" smtClean="0">
-                <a:solidFill>
-                  <a:schemeClr val="tx1"/>
-                </a:solidFill>
-                <a:effectLst/>
-                <a:latin typeface="Arial" panose="020B0604020202020204" pitchFamily="34" charset="0"/>
-                <a:cs typeface="Arial" panose="020B0604020202020204" pitchFamily="34" charset="0"/>
-              </a:rPr>
-              <a:t>Entwicklungszyklus &amp; Termine</a:t>
-            </a:r>
-          </a:p>
-          <a:p>
-            <a:r>
-              <a:rPr lang="de-DE" sz="2000" b="0" dirty="0" smtClean="0">
-                <a:solidFill>
-                  <a:schemeClr val="tx1"/>
-                </a:solidFill>
-                <a:effectLst/>
-                <a:latin typeface="Arial" panose="020B0604020202020204" pitchFamily="34" charset="0"/>
-                <a:cs typeface="Arial" panose="020B0604020202020204" pitchFamily="34" charset="0"/>
-              </a:rPr>
-              <a:t>Veränderungen im Team</a:t>
-            </a:r>
-          </a:p>
-          <a:p>
-            <a:r>
-              <a:rPr lang="de-DE" sz="2000" b="0" dirty="0" smtClean="0">
-                <a:solidFill>
-                  <a:schemeClr val="tx1"/>
-                </a:solidFill>
-                <a:effectLst/>
-                <a:latin typeface="Arial" panose="020B0604020202020204" pitchFamily="34" charset="0"/>
-                <a:cs typeface="Arial" panose="020B0604020202020204" pitchFamily="34" charset="0"/>
-              </a:rPr>
-              <a:t>Fehleinschätzungen</a:t>
-            </a:r>
+            <a:pPr marL="257175" indent="-257175" algn="l">
+              <a:buFontTx/>
+              <a:buChar char="-"/>
+            </a:pPr>
+            <a:r>
+              <a:rPr lang="en-GB" sz="2000" b="0" dirty="0" err="1">
+                <a:solidFill>
+                  <a:schemeClr val="tx1"/>
+                </a:solidFill>
+                <a:effectLst/>
+                <a:latin typeface="Arial" panose="020B0604020202020204" pitchFamily="34" charset="0"/>
+                <a:cs typeface="Arial" panose="020B0604020202020204" pitchFamily="34" charset="0"/>
+              </a:rPr>
+              <a:t>Zeitliche</a:t>
+            </a:r>
+            <a:r>
+              <a:rPr lang="en-GB" sz="2000" b="0" dirty="0">
+                <a:solidFill>
+                  <a:schemeClr val="tx1"/>
+                </a:solidFill>
+                <a:effectLst/>
+                <a:latin typeface="Arial" panose="020B0604020202020204" pitchFamily="34" charset="0"/>
+                <a:cs typeface="Arial" panose="020B0604020202020204" pitchFamily="34" charset="0"/>
+              </a:rPr>
+              <a:t> Puffer</a:t>
+            </a:r>
+          </a:p>
+          <a:p>
+            <a:pPr marL="257175" indent="-257175" algn="l">
+              <a:buFontTx/>
+              <a:buChar char="-"/>
+            </a:pPr>
+            <a:r>
+              <a:rPr lang="en-GB" sz="2000" b="0" dirty="0">
+                <a:solidFill>
+                  <a:schemeClr val="tx1"/>
+                </a:solidFill>
+                <a:effectLst/>
+                <a:latin typeface="Arial" panose="020B0604020202020204" pitchFamily="34" charset="0"/>
+                <a:cs typeface="Arial" panose="020B0604020202020204" pitchFamily="34" charset="0"/>
+              </a:rPr>
+              <a:t>Analyse </a:t>
+            </a:r>
+            <a:r>
+              <a:rPr lang="en-GB" sz="2000" b="0" dirty="0" err="1">
+                <a:solidFill>
+                  <a:schemeClr val="tx1"/>
+                </a:solidFill>
+                <a:effectLst/>
+                <a:latin typeface="Arial" panose="020B0604020202020204" pitchFamily="34" charset="0"/>
+                <a:cs typeface="Arial" panose="020B0604020202020204" pitchFamily="34" charset="0"/>
+              </a:rPr>
+              <a:t>Technische</a:t>
+            </a:r>
+            <a:r>
+              <a:rPr lang="en-GB" sz="2000" b="0" dirty="0">
+                <a:solidFill>
+                  <a:schemeClr val="tx1"/>
+                </a:solidFill>
+                <a:effectLst/>
+                <a:latin typeface="Arial" panose="020B0604020202020204" pitchFamily="34" charset="0"/>
+                <a:cs typeface="Arial" panose="020B0604020202020204" pitchFamily="34" charset="0"/>
+              </a:rPr>
+              <a:t> </a:t>
+            </a:r>
+            <a:r>
+              <a:rPr lang="en-GB" sz="2000" b="0" dirty="0" err="1">
+                <a:solidFill>
+                  <a:schemeClr val="tx1"/>
+                </a:solidFill>
+                <a:effectLst/>
+                <a:latin typeface="Arial" panose="020B0604020202020204" pitchFamily="34" charset="0"/>
+                <a:cs typeface="Arial" panose="020B0604020202020204" pitchFamily="34" charset="0"/>
+              </a:rPr>
+              <a:t>Schwierigkeiten</a:t>
+            </a:r>
+            <a:r>
+              <a:rPr lang="en-GB" sz="2000" b="0" dirty="0">
+                <a:solidFill>
+                  <a:schemeClr val="tx1"/>
+                </a:solidFill>
+                <a:effectLst/>
+                <a:latin typeface="Arial" panose="020B0604020202020204" pitchFamily="34" charset="0"/>
+                <a:cs typeface="Arial" panose="020B0604020202020204" pitchFamily="34" charset="0"/>
+              </a:rPr>
+              <a:t> </a:t>
+            </a:r>
+            <a:r>
+              <a:rPr lang="en-GB" sz="2000" b="0" dirty="0" err="1">
+                <a:solidFill>
+                  <a:schemeClr val="tx1"/>
+                </a:solidFill>
+                <a:effectLst/>
+                <a:latin typeface="Arial" panose="020B0604020202020204" pitchFamily="34" charset="0"/>
+                <a:cs typeface="Arial" panose="020B0604020202020204" pitchFamily="34" charset="0"/>
+              </a:rPr>
+              <a:t>vorab</a:t>
+            </a:r>
+            <a:endParaRPr lang="en-GB" sz="2000" b="0" dirty="0">
+              <a:solidFill>
+                <a:schemeClr val="tx1"/>
+              </a:solidFill>
+              <a:effectLst/>
+              <a:latin typeface="Arial" panose="020B0604020202020204" pitchFamily="34" charset="0"/>
+              <a:cs typeface="Arial" panose="020B0604020202020204" pitchFamily="34" charset="0"/>
+            </a:endParaRPr>
+          </a:p>
+          <a:p>
+            <a:pPr marL="257175" indent="-257175" algn="l">
+              <a:buFontTx/>
+              <a:buChar char="-"/>
+            </a:pPr>
+            <a:r>
+              <a:rPr lang="en-GB" sz="2000" b="0" dirty="0" err="1">
+                <a:solidFill>
+                  <a:schemeClr val="tx1"/>
+                </a:solidFill>
+                <a:effectLst/>
+                <a:latin typeface="Arial" panose="020B0604020202020204" pitchFamily="34" charset="0"/>
+                <a:cs typeface="Arial" panose="020B0604020202020204" pitchFamily="34" charset="0"/>
+              </a:rPr>
+              <a:t>Höheren</a:t>
+            </a:r>
+            <a:r>
+              <a:rPr lang="en-GB" sz="2000" b="0" dirty="0">
+                <a:solidFill>
+                  <a:schemeClr val="tx1"/>
+                </a:solidFill>
+                <a:effectLst/>
+                <a:latin typeface="Arial" panose="020B0604020202020204" pitchFamily="34" charset="0"/>
+                <a:cs typeface="Arial" panose="020B0604020202020204" pitchFamily="34" charset="0"/>
+              </a:rPr>
+              <a:t> </a:t>
+            </a:r>
+            <a:r>
+              <a:rPr lang="en-GB" sz="2000" b="0" dirty="0" err="1">
+                <a:solidFill>
+                  <a:schemeClr val="tx1"/>
+                </a:solidFill>
+                <a:effectLst/>
+                <a:latin typeface="Arial" panose="020B0604020202020204" pitchFamily="34" charset="0"/>
+                <a:cs typeface="Arial" panose="020B0604020202020204" pitchFamily="34" charset="0"/>
+              </a:rPr>
+              <a:t>Zeitaufwand</a:t>
+            </a:r>
+            <a:r>
+              <a:rPr lang="en-GB" sz="2000" b="0" dirty="0">
+                <a:solidFill>
+                  <a:schemeClr val="tx1"/>
+                </a:solidFill>
+                <a:effectLst/>
+                <a:latin typeface="Arial" panose="020B0604020202020204" pitchFamily="34" charset="0"/>
+                <a:cs typeface="Arial" panose="020B0604020202020204" pitchFamily="34" charset="0"/>
+              </a:rPr>
+              <a:t> </a:t>
+            </a:r>
+            <a:r>
+              <a:rPr lang="en-GB" sz="2000" b="0" dirty="0" err="1">
+                <a:solidFill>
+                  <a:schemeClr val="tx1"/>
+                </a:solidFill>
+                <a:effectLst/>
+                <a:latin typeface="Arial" panose="020B0604020202020204" pitchFamily="34" charset="0"/>
+                <a:cs typeface="Arial" panose="020B0604020202020204" pitchFamily="34" charset="0"/>
+              </a:rPr>
+              <a:t>für</a:t>
+            </a:r>
+            <a:r>
+              <a:rPr lang="en-GB" sz="2000" b="0" dirty="0">
+                <a:solidFill>
+                  <a:schemeClr val="tx1"/>
+                </a:solidFill>
+                <a:effectLst/>
+                <a:latin typeface="Arial" panose="020B0604020202020204" pitchFamily="34" charset="0"/>
+                <a:cs typeface="Arial" panose="020B0604020202020204" pitchFamily="34" charset="0"/>
+              </a:rPr>
+              <a:t> </a:t>
+            </a:r>
+            <a:r>
+              <a:rPr lang="en-GB" sz="2000" b="0" dirty="0" err="1">
+                <a:solidFill>
+                  <a:schemeClr val="tx1"/>
+                </a:solidFill>
+                <a:effectLst/>
+                <a:latin typeface="Arial" panose="020B0604020202020204" pitchFamily="34" charset="0"/>
+                <a:cs typeface="Arial" panose="020B0604020202020204" pitchFamily="34" charset="0"/>
+              </a:rPr>
+              <a:t>fundamentale</a:t>
+            </a:r>
+            <a:r>
+              <a:rPr lang="en-GB" sz="2000" b="0" dirty="0">
+                <a:solidFill>
+                  <a:schemeClr val="tx1"/>
+                </a:solidFill>
+                <a:effectLst/>
+                <a:latin typeface="Arial" panose="020B0604020202020204" pitchFamily="34" charset="0"/>
+                <a:cs typeface="Arial" panose="020B0604020202020204" pitchFamily="34" charset="0"/>
+              </a:rPr>
+              <a:t> </a:t>
+            </a:r>
+            <a:r>
+              <a:rPr lang="en-GB" sz="2000" b="0" dirty="0" err="1">
+                <a:solidFill>
+                  <a:schemeClr val="tx1"/>
+                </a:solidFill>
+                <a:effectLst/>
+                <a:latin typeface="Arial" panose="020B0604020202020204" pitchFamily="34" charset="0"/>
+                <a:cs typeface="Arial" panose="020B0604020202020204" pitchFamily="34" charset="0"/>
+              </a:rPr>
+              <a:t>Bestandteile</a:t>
+            </a:r>
+            <a:endParaRPr lang="en-GB" sz="2000" b="0" dirty="0">
+              <a:solidFill>
+                <a:schemeClr val="tx1"/>
+              </a:solidFill>
+              <a:effectLst/>
+              <a:latin typeface="Arial" panose="020B0604020202020204" pitchFamily="34" charset="0"/>
+              <a:cs typeface="Arial" panose="020B0604020202020204" pitchFamily="34" charset="0"/>
+            </a:endParaRPr>
+          </a:p>
+          <a:p>
+            <a:pPr marL="257175" indent="-257175" algn="l">
+              <a:buFontTx/>
+              <a:buChar char="-"/>
+            </a:pPr>
+            <a:r>
+              <a:rPr lang="en-GB" sz="2000" b="0" dirty="0" err="1">
+                <a:solidFill>
+                  <a:schemeClr val="tx1"/>
+                </a:solidFill>
+                <a:effectLst/>
+                <a:latin typeface="Arial" panose="020B0604020202020204" pitchFamily="34" charset="0"/>
+                <a:cs typeface="Arial" panose="020B0604020202020204" pitchFamily="34" charset="0"/>
+              </a:rPr>
+              <a:t>Hoher</a:t>
+            </a:r>
+            <a:r>
+              <a:rPr lang="en-GB" sz="2000" b="0" dirty="0">
+                <a:solidFill>
+                  <a:schemeClr val="tx1"/>
+                </a:solidFill>
+                <a:effectLst/>
+                <a:latin typeface="Arial" panose="020B0604020202020204" pitchFamily="34" charset="0"/>
+                <a:cs typeface="Arial" panose="020B0604020202020204" pitchFamily="34" charset="0"/>
+              </a:rPr>
+              <a:t> </a:t>
+            </a:r>
+            <a:r>
+              <a:rPr lang="en-GB" sz="2000" b="0" dirty="0" err="1">
+                <a:solidFill>
+                  <a:schemeClr val="tx1"/>
+                </a:solidFill>
+                <a:effectLst/>
+                <a:latin typeface="Arial" panose="020B0604020202020204" pitchFamily="34" charset="0"/>
+                <a:cs typeface="Arial" panose="020B0604020202020204" pitchFamily="34" charset="0"/>
+              </a:rPr>
+              <a:t>Lernerfolg</a:t>
+            </a:r>
+            <a:r>
+              <a:rPr lang="en-GB" sz="2000" b="0" dirty="0">
+                <a:solidFill>
+                  <a:schemeClr val="tx1"/>
+                </a:solidFill>
+                <a:effectLst/>
+                <a:latin typeface="Arial" panose="020B0604020202020204" pitchFamily="34" charset="0"/>
+                <a:cs typeface="Arial" panose="020B0604020202020204" pitchFamily="34" charset="0"/>
+              </a:rPr>
+              <a:t> </a:t>
+            </a:r>
+            <a:r>
+              <a:rPr lang="en-GB" sz="2000" b="0" dirty="0" err="1">
+                <a:solidFill>
+                  <a:schemeClr val="tx1"/>
+                </a:solidFill>
+                <a:effectLst/>
+                <a:latin typeface="Arial" panose="020B0604020202020204" pitchFamily="34" charset="0"/>
+                <a:cs typeface="Arial" panose="020B0604020202020204" pitchFamily="34" charset="0"/>
+              </a:rPr>
+              <a:t>im</a:t>
+            </a:r>
+            <a:r>
+              <a:rPr lang="en-GB" sz="2000" b="0" dirty="0">
+                <a:solidFill>
+                  <a:schemeClr val="tx1"/>
+                </a:solidFill>
+                <a:effectLst/>
+                <a:latin typeface="Arial" panose="020B0604020202020204" pitchFamily="34" charset="0"/>
+                <a:cs typeface="Arial" panose="020B0604020202020204" pitchFamily="34" charset="0"/>
+              </a:rPr>
+              <a:t> </a:t>
+            </a:r>
+            <a:r>
+              <a:rPr lang="en-GB" sz="2000" b="0" dirty="0" err="1">
+                <a:solidFill>
+                  <a:schemeClr val="tx1"/>
+                </a:solidFill>
+                <a:effectLst/>
+                <a:latin typeface="Arial" panose="020B0604020202020204" pitchFamily="34" charset="0"/>
+                <a:cs typeface="Arial" panose="020B0604020202020204" pitchFamily="34" charset="0"/>
+              </a:rPr>
+              <a:t>Bereich</a:t>
+            </a:r>
+            <a:r>
+              <a:rPr lang="en-GB" sz="2000" b="0" dirty="0">
+                <a:solidFill>
+                  <a:schemeClr val="tx1"/>
+                </a:solidFill>
+                <a:effectLst/>
+                <a:latin typeface="Arial" panose="020B0604020202020204" pitchFamily="34" charset="0"/>
+                <a:cs typeface="Arial" panose="020B0604020202020204" pitchFamily="34" charset="0"/>
+              </a:rPr>
+              <a:t> von…</a:t>
+            </a:r>
+          </a:p>
+          <a:p>
+            <a:pPr algn="l"/>
+            <a:r>
+              <a:rPr lang="en-GB" sz="2000" b="0" dirty="0">
+                <a:solidFill>
+                  <a:schemeClr val="tx1"/>
+                </a:solidFill>
+                <a:effectLst/>
+                <a:latin typeface="Arial" panose="020B0604020202020204" pitchFamily="34" charset="0"/>
+                <a:cs typeface="Arial" panose="020B0604020202020204" pitchFamily="34" charset="0"/>
+              </a:rPr>
+              <a:t>	-&gt; </a:t>
+            </a:r>
+            <a:r>
+              <a:rPr lang="en-GB" sz="2000" b="0" dirty="0" err="1">
+                <a:solidFill>
+                  <a:schemeClr val="tx1"/>
+                </a:solidFill>
+                <a:effectLst/>
+                <a:latin typeface="Arial" panose="020B0604020202020204" pitchFamily="34" charset="0"/>
+                <a:cs typeface="Arial" panose="020B0604020202020204" pitchFamily="34" charset="0"/>
+              </a:rPr>
+              <a:t>allgemeiner</a:t>
+            </a:r>
+            <a:r>
+              <a:rPr lang="en-GB" sz="2000" b="0" dirty="0">
+                <a:solidFill>
+                  <a:schemeClr val="tx1"/>
+                </a:solidFill>
+                <a:effectLst/>
+                <a:latin typeface="Arial" panose="020B0604020202020204" pitchFamily="34" charset="0"/>
+                <a:cs typeface="Arial" panose="020B0604020202020204" pitchFamily="34" charset="0"/>
+              </a:rPr>
+              <a:t> </a:t>
+            </a:r>
+            <a:r>
+              <a:rPr lang="en-GB" sz="2000" b="0" dirty="0" err="1">
+                <a:solidFill>
+                  <a:schemeClr val="tx1"/>
+                </a:solidFill>
+                <a:effectLst/>
+                <a:latin typeface="Arial" panose="020B0604020202020204" pitchFamily="34" charset="0"/>
+                <a:cs typeface="Arial" panose="020B0604020202020204" pitchFamily="34" charset="0"/>
+              </a:rPr>
+              <a:t>Zusammenarbeit</a:t>
+            </a:r>
+            <a:endParaRPr lang="en-GB" sz="2000" b="0" dirty="0">
+              <a:solidFill>
+                <a:schemeClr val="tx1"/>
+              </a:solidFill>
+              <a:effectLst/>
+              <a:latin typeface="Arial" panose="020B0604020202020204" pitchFamily="34" charset="0"/>
+              <a:cs typeface="Arial" panose="020B0604020202020204" pitchFamily="34" charset="0"/>
+            </a:endParaRPr>
+          </a:p>
+          <a:p>
+            <a:pPr algn="l"/>
+            <a:r>
+              <a:rPr lang="en-GB" sz="2000" b="0" dirty="0">
+                <a:solidFill>
+                  <a:schemeClr val="tx1"/>
+                </a:solidFill>
+                <a:effectLst/>
+                <a:latin typeface="Arial" panose="020B0604020202020204" pitchFamily="34" charset="0"/>
+                <a:cs typeface="Arial" panose="020B0604020202020204" pitchFamily="34" charset="0"/>
+              </a:rPr>
+              <a:t>	-&gt; Organisation von </a:t>
+            </a:r>
+            <a:r>
+              <a:rPr lang="en-GB" sz="2000" b="0" dirty="0" err="1">
+                <a:solidFill>
+                  <a:schemeClr val="tx1"/>
+                </a:solidFill>
+                <a:effectLst/>
+                <a:latin typeface="Arial" panose="020B0604020202020204" pitchFamily="34" charset="0"/>
+                <a:cs typeface="Arial" panose="020B0604020202020204" pitchFamily="34" charset="0"/>
+              </a:rPr>
+              <a:t>Projekten</a:t>
+            </a:r>
+            <a:endParaRPr lang="en-GB" sz="2000" b="0" dirty="0">
+              <a:solidFill>
+                <a:schemeClr val="tx1"/>
+              </a:solidFill>
+              <a:effectLst/>
+              <a:latin typeface="Arial" panose="020B0604020202020204" pitchFamily="34" charset="0"/>
+              <a:cs typeface="Arial" panose="020B0604020202020204" pitchFamily="34" charset="0"/>
+            </a:endParaRPr>
+          </a:p>
+          <a:p>
+            <a:pPr algn="l"/>
+            <a:r>
+              <a:rPr lang="en-GB" sz="2000" b="0" dirty="0">
+                <a:solidFill>
+                  <a:schemeClr val="tx1"/>
+                </a:solidFill>
+                <a:effectLst/>
+                <a:latin typeface="Arial" panose="020B0604020202020204" pitchFamily="34" charset="0"/>
+                <a:cs typeface="Arial" panose="020B0604020202020204" pitchFamily="34" charset="0"/>
+              </a:rPr>
+              <a:t>	-&gt; </a:t>
+            </a:r>
+            <a:r>
+              <a:rPr lang="en-GB" sz="2000" b="0" dirty="0" err="1">
+                <a:solidFill>
+                  <a:schemeClr val="tx1"/>
+                </a:solidFill>
+                <a:effectLst/>
+                <a:latin typeface="Arial" panose="020B0604020202020204" pitchFamily="34" charset="0"/>
+                <a:cs typeface="Arial" panose="020B0604020202020204" pitchFamily="34" charset="0"/>
+              </a:rPr>
+              <a:t>verwendeten</a:t>
+            </a:r>
+            <a:r>
+              <a:rPr lang="en-GB" sz="2000" b="0" dirty="0">
+                <a:solidFill>
+                  <a:schemeClr val="tx1"/>
+                </a:solidFill>
+                <a:effectLst/>
+                <a:latin typeface="Arial" panose="020B0604020202020204" pitchFamily="34" charset="0"/>
+                <a:cs typeface="Arial" panose="020B0604020202020204" pitchFamily="34" charset="0"/>
+              </a:rPr>
+              <a:t> </a:t>
+            </a:r>
+            <a:r>
+              <a:rPr lang="en-GB" sz="2000" b="0" dirty="0" err="1">
+                <a:solidFill>
+                  <a:schemeClr val="tx1"/>
+                </a:solidFill>
+                <a:effectLst/>
+                <a:latin typeface="Arial" panose="020B0604020202020204" pitchFamily="34" charset="0"/>
+                <a:cs typeface="Arial" panose="020B0604020202020204" pitchFamily="34" charset="0"/>
+              </a:rPr>
+              <a:t>Technologien</a:t>
+            </a:r>
+            <a:endParaRPr lang="en-GB" sz="2000" b="0" dirty="0">
+              <a:solidFill>
+                <a:schemeClr val="tx1"/>
+              </a:solidFill>
+              <a:effectLst/>
+              <a:latin typeface="Arial" panose="020B0604020202020204" pitchFamily="34" charset="0"/>
+              <a:cs typeface="Arial" panose="020B0604020202020204" pitchFamily="34" charset="0"/>
+            </a:endParaRPr>
           </a:p>
         </p:txBody>
       </p:sp>
     </p:spTree>
     <p:extLst>
       <p:ext uri="{BB962C8B-B14F-4D97-AF65-F5344CB8AC3E}">
-        <p14:creationId xmlns:p14="http://schemas.microsoft.com/office/powerpoint/2010/main" val="4147717178"/>
+        <p14:creationId xmlns:p14="http://schemas.microsoft.com/office/powerpoint/2010/main" val="3724775025"/>
       </p:ext>
     </p:extLst>
   </p:cSld>
@@ -7905,7 +8139,7 @@
                 <a:latin typeface="Arial" panose="020B0604020202020204" pitchFamily="34" charset="0"/>
                 <a:cs typeface="Arial" panose="020B0604020202020204" pitchFamily="34" charset="0"/>
               </a:rPr>
-              <a:t>Fazit</a:t>
+              <a:t>Probleme</a:t>
             </a:r>
             <a:endParaRPr lang="en-GB" sz="2000" b="0" dirty="0">
               <a:solidFill>
@@ -7942,7 +8176,7 @@
         </p:spPr>
         <p:txBody>
           <a:bodyPr>
-            <a:normAutofit/>
+            <a:noAutofit/>
           </a:bodyPr>
           <a:lstStyle/>
           <a:p>
@@ -7959,7 +8193,7 @@
                 <a:latin typeface="Arial" panose="020B0604020202020204" pitchFamily="34" charset="0"/>
                 <a:cs typeface="Arial" panose="020B0604020202020204" pitchFamily="34" charset="0"/>
               </a:rPr>
-              <a:t>Zeitliche</a:t>
+              <a:t>Unvorhersehbarer</a:t>
             </a:r>
             <a:r>
               <a:rPr lang="en-GB" sz="2000" b="0" dirty="0">
@@ -7970,14 +8204,19 @@
                 <a:latin typeface="Arial" panose="020B0604020202020204" pitchFamily="34" charset="0"/>
                 <a:cs typeface="Arial" panose="020B0604020202020204" pitchFamily="34" charset="0"/>
               </a:rPr>
-              <a:t> Puffer</a:t>
-            </a:r>
-          </a:p>
-          <a:p>
-            <a:pPr marL="257175" indent="-257175" algn="l">
-              <a:buFontTx/>
-              <a:buChar char="-"/>
-            </a:pPr>
+              <a:t> </a:t>
+            </a:r>
+            <a:r>
+              <a:rPr lang="en-GB" sz="2000" b="0" dirty="0" err="1">
+                <a:solidFill>
+                  <a:schemeClr val="tx1"/>
+                </a:solidFill>
+                <a:effectLst/>
+                <a:latin typeface="Arial" panose="020B0604020202020204" pitchFamily="34" charset="0"/>
+                <a:cs typeface="Arial" panose="020B0604020202020204" pitchFamily="34" charset="0"/>
+              </a:rPr>
+              <a:t>Verlust</a:t>
+            </a:r>
             <a:r>
               <a:rPr lang="en-GB" sz="2000" b="0" dirty="0">
                 <a:solidFill>
@@ -7987,7 +8226,7 @@
                 <a:latin typeface="Arial" panose="020B0604020202020204" pitchFamily="34" charset="0"/>
                 <a:cs typeface="Arial" panose="020B0604020202020204" pitchFamily="34" charset="0"/>
               </a:rPr>
-              <a:t>Analyse </a:t>
+              <a:t> von </a:t>
             </a:r>
             <a:r>
               <a:rPr lang="en-GB" sz="2000" b="0" dirty="0" err="1">
@@ -7998,51 +8237,7 @@
                 <a:latin typeface="Arial" panose="020B0604020202020204" pitchFamily="34" charset="0"/>
                 <a:cs typeface="Arial" panose="020B0604020202020204" pitchFamily="34" charset="0"/>
               </a:rPr>
-              <a:t>Technische</a:t>
-            </a:r>
-            <a:r>
-              <a:rPr lang="en-GB" sz="2000" b="0" dirty="0">
-                <a:solidFill>
-                  <a:schemeClr val="tx1"/>
-                </a:solidFill>
-                <a:effectLst/>
-                <a:latin typeface="Arial" panose="020B0604020202020204" pitchFamily="34" charset="0"/>
-                <a:cs typeface="Arial" panose="020B0604020202020204" pitchFamily="34" charset="0"/>
-              </a:rPr>
-              <a:t> </a:t>
-            </a:r>
-            <a:r>
-              <a:rPr lang="en-GB" sz="2000" b="0" dirty="0" err="1">
-                <a:solidFill>
-                  <a:schemeClr val="tx1"/>
-                </a:solidFill>
-                <a:effectLst/>
-                <a:latin typeface="Arial" panose="020B0604020202020204" pitchFamily="34" charset="0"/>
-                <a:cs typeface="Arial" panose="020B0604020202020204" pitchFamily="34" charset="0"/>
-              </a:rPr>
-              <a:t>Schwierigkeiten</a:t>
-            </a:r>
-            <a:r>
-              <a:rPr lang="en-GB" sz="2000" b="0" dirty="0">
-                <a:solidFill>
-                  <a:schemeClr val="tx1"/>
-                </a:solidFill>
-                <a:effectLst/>
-                <a:latin typeface="Arial" panose="020B0604020202020204" pitchFamily="34" charset="0"/>
-                <a:cs typeface="Arial" panose="020B0604020202020204" pitchFamily="34" charset="0"/>
-              </a:rPr>
-              <a:t> </a:t>
-            </a:r>
-            <a:r>
-              <a:rPr lang="en-GB" sz="2000" b="0" dirty="0" err="1">
-                <a:solidFill>
-                  <a:schemeClr val="tx1"/>
-                </a:solidFill>
-                <a:effectLst/>
-                <a:latin typeface="Arial" panose="020B0604020202020204" pitchFamily="34" charset="0"/>
-                <a:cs typeface="Arial" panose="020B0604020202020204" pitchFamily="34" charset="0"/>
-              </a:rPr>
-              <a:t>vorab</a:t>
+              <a:t>Resourcen</a:t>
             </a:r>
             <a:endParaRPr lang="en-GB" sz="2000" b="0" dirty="0">
               <a:solidFill>
@@ -8067,7 +8262,7 @@
                 <a:latin typeface="Arial" panose="020B0604020202020204" pitchFamily="34" charset="0"/>
                 <a:cs typeface="Arial" panose="020B0604020202020204" pitchFamily="34" charset="0"/>
               </a:rPr>
-              <a:t>Höheren</a:t>
+              <a:t>Fehlerhafte</a:t>
             </a:r>
             <a:r>
               <a:rPr lang="en-GB" sz="2000" b="0" dirty="0">
@@ -8078,7 +8273,7 @@
                 <a:latin typeface="Arial" panose="020B0604020202020204" pitchFamily="34" charset="0"/>
                 <a:cs typeface="Arial" panose="020B0604020202020204" pitchFamily="34" charset="0"/>
               </a:rPr>
-              <a:t> </a:t>
+              <a:t> Node-</a:t>
             </a:r>
             <a:r>
               <a:rPr lang="en-GB" sz="2000" b="0" dirty="0" err="1">
@@ -8089,73 +8284,7 @@
                 <a:latin typeface="Arial" panose="020B0604020202020204" pitchFamily="34" charset="0"/>
                 <a:cs typeface="Arial" panose="020B0604020202020204" pitchFamily="34" charset="0"/>
               </a:rPr>
-              <a:t>Zeitaufwand</a:t>
-            </a:r>
-            <a:r>
-              <a:rPr lang="en-GB" sz="2000" b="0" dirty="0">
-                <a:solidFill>
-                  <a:schemeClr val="tx1"/>
-                </a:solidFill>
-                <a:effectLst/>
-                <a:latin typeface="Arial" panose="020B0604020202020204" pitchFamily="34" charset="0"/>
-                <a:cs typeface="Arial" panose="020B0604020202020204" pitchFamily="34" charset="0"/>
-              </a:rPr>
-              <a:t> </a:t>
-            </a:r>
-            <a:r>
-              <a:rPr lang="en-GB" sz="2000" b="0" dirty="0" err="1">
-                <a:solidFill>
-                  <a:schemeClr val="tx1"/>
-                </a:solidFill>
-                <a:effectLst/>
-                <a:latin typeface="Arial" panose="020B0604020202020204" pitchFamily="34" charset="0"/>
-                <a:cs typeface="Arial" panose="020B0604020202020204" pitchFamily="34" charset="0"/>
-              </a:rPr>
-              <a:t>für</a:t>
-            </a:r>
-            <a:r>
-              <a:rPr lang="en-GB" sz="2000" b="0" dirty="0">
-                <a:solidFill>
-                  <a:schemeClr val="tx1"/>
-                </a:solidFill>
-                <a:effectLst/>
-                <a:latin typeface="Arial" panose="020B0604020202020204" pitchFamily="34" charset="0"/>
-                <a:cs typeface="Arial" panose="020B0604020202020204" pitchFamily="34" charset="0"/>
-              </a:rPr>
-              <a:t> </a:t>
-            </a:r>
-            <a:r>
-              <a:rPr lang="en-GB" sz="2000" b="0" dirty="0" err="1">
-                <a:solidFill>
-                  <a:schemeClr val="tx1"/>
-                </a:solidFill>
-                <a:effectLst/>
-                <a:latin typeface="Arial" panose="020B0604020202020204" pitchFamily="34" charset="0"/>
-                <a:cs typeface="Arial" panose="020B0604020202020204" pitchFamily="34" charset="0"/>
-              </a:rPr>
-              <a:t>fundamentale</a:t>
-            </a:r>
-            <a:r>
-              <a:rPr lang="en-GB" sz="2000" b="0" dirty="0">
-                <a:solidFill>
-                  <a:schemeClr val="tx1"/>
-                </a:solidFill>
-                <a:effectLst/>
-                <a:latin typeface="Arial" panose="020B0604020202020204" pitchFamily="34" charset="0"/>
-                <a:cs typeface="Arial" panose="020B0604020202020204" pitchFamily="34" charset="0"/>
-              </a:rPr>
-              <a:t> </a:t>
-            </a:r>
-            <a:r>
-              <a:rPr lang="en-GB" sz="2000" b="0" dirty="0" err="1">
-                <a:solidFill>
-                  <a:schemeClr val="tx1"/>
-                </a:solidFill>
-                <a:effectLst/>
-                <a:latin typeface="Arial" panose="020B0604020202020204" pitchFamily="34" charset="0"/>
-                <a:cs typeface="Arial" panose="020B0604020202020204" pitchFamily="34" charset="0"/>
-              </a:rPr>
-              <a:t>Bestandteile</a:t>
+              <a:t>Installationen</a:t>
             </a:r>
             <a:endParaRPr lang="en-GB" sz="2000" b="0" dirty="0">
               <a:solidFill>
@@ -8180,7 +8309,7 @@
                 <a:latin typeface="Arial" panose="020B0604020202020204" pitchFamily="34" charset="0"/>
                 <a:cs typeface="Arial" panose="020B0604020202020204" pitchFamily="34" charset="0"/>
               </a:rPr>
-              <a:t>Hoher</a:t>
+              <a:t>Fehlende</a:t>
             </a:r>
             <a:r>
               <a:rPr lang="en-GB" sz="2000" b="0" dirty="0">
@@ -8191,6 +8320,34 @@
                 <a:latin typeface="Arial" panose="020B0604020202020204" pitchFamily="34" charset="0"/>
                 <a:cs typeface="Arial" panose="020B0604020202020204" pitchFamily="34" charset="0"/>
               </a:rPr>
+              <a:t> Module</a:t>
+            </a:r>
+          </a:p>
+          <a:p>
+            <a:pPr marL="257175" indent="-257175" algn="l">
+              <a:buFontTx/>
+              <a:buChar char="-"/>
+            </a:pPr>
+            <a:r>
+              <a:rPr lang="en-GB" sz="2000" b="0" dirty="0" err="1">
+                <a:solidFill>
+                  <a:schemeClr val="tx1"/>
+                </a:solidFill>
+                <a:effectLst/>
+                <a:latin typeface="Arial" panose="020B0604020202020204" pitchFamily="34" charset="0"/>
+                <a:cs typeface="Arial" panose="020B0604020202020204" pitchFamily="34" charset="0"/>
+              </a:rPr>
+              <a:t>Probleme</a:t>
+            </a:r>
+            <a:r>
+              <a:rPr lang="en-GB" sz="2000" b="0" dirty="0">
+                <a:solidFill>
+                  <a:schemeClr val="tx1"/>
+                </a:solidFill>
+                <a:effectLst/>
+                <a:latin typeface="Arial" panose="020B0604020202020204" pitchFamily="34" charset="0"/>
+                <a:cs typeface="Arial" panose="020B0604020202020204" pitchFamily="34" charset="0"/>
+              </a:rPr>
               <a:t> </a:t>
             </a:r>
             <a:r>
@@ -8202,7 +8359,7 @@
                 <a:latin typeface="Arial" panose="020B0604020202020204" pitchFamily="34" charset="0"/>
                 <a:cs typeface="Arial" panose="020B0604020202020204" pitchFamily="34" charset="0"/>
               </a:rPr>
-              <a:t>Lernerfolg</a:t>
+              <a:t>mit</a:t>
             </a:r>
             <a:r>
               <a:rPr lang="en-GB" sz="2000" b="0" dirty="0">
@@ -8224,7 +8381,7 @@
                 <a:latin typeface="Arial" panose="020B0604020202020204" pitchFamily="34" charset="0"/>
                 <a:cs typeface="Arial" panose="020B0604020202020204" pitchFamily="34" charset="0"/>
               </a:rPr>
-              <a:t>im</a:t>
+              <a:t>Zugriffsrechten</a:t>
             </a:r>
             <a:r>
               <a:rPr lang="en-GB" sz="2000" b="0" dirty="0">
@@ -8235,6 +8392,56 @@
                 <a:latin typeface="Arial" panose="020B0604020202020204" pitchFamily="34" charset="0"/>
                 <a:cs typeface="Arial" panose="020B0604020202020204" pitchFamily="34" charset="0"/>
               </a:rPr>
+              <a:t> der </a:t>
+            </a:r>
+            <a:r>
+              <a:rPr lang="en-GB" sz="2000" b="0" dirty="0" err="1">
+                <a:solidFill>
+                  <a:schemeClr val="tx1"/>
+                </a:solidFill>
+                <a:effectLst/>
+                <a:latin typeface="Arial" panose="020B0604020202020204" pitchFamily="34" charset="0"/>
+                <a:cs typeface="Arial" panose="020B0604020202020204" pitchFamily="34" charset="0"/>
+              </a:rPr>
+              <a:t>Schul</a:t>
+            </a:r>
+            <a:r>
+              <a:rPr lang="en-GB" sz="2000" b="0" dirty="0">
+                <a:solidFill>
+                  <a:schemeClr val="tx1"/>
+                </a:solidFill>
+                <a:effectLst/>
+                <a:latin typeface="Arial" panose="020B0604020202020204" pitchFamily="34" charset="0"/>
+                <a:cs typeface="Arial" panose="020B0604020202020204" pitchFamily="34" charset="0"/>
+              </a:rPr>
+              <a:t>-PCs</a:t>
+            </a:r>
+          </a:p>
+          <a:p>
+            <a:pPr marL="257175" indent="-257175" algn="l">
+              <a:buFontTx/>
+              <a:buChar char="-"/>
+            </a:pPr>
+            <a:r>
+              <a:rPr lang="en-GB" sz="2000" b="0" dirty="0" err="1">
+                <a:solidFill>
+                  <a:schemeClr val="tx1"/>
+                </a:solidFill>
+                <a:effectLst/>
+                <a:latin typeface="Arial" panose="020B0604020202020204" pitchFamily="34" charset="0"/>
+                <a:cs typeface="Arial" panose="020B0604020202020204" pitchFamily="34" charset="0"/>
+              </a:rPr>
+              <a:t>Hohe</a:t>
+            </a:r>
+            <a:r>
+              <a:rPr lang="en-GB" sz="2000" b="0" dirty="0">
+                <a:solidFill>
+                  <a:schemeClr val="tx1"/>
+                </a:solidFill>
+                <a:effectLst/>
+                <a:latin typeface="Arial" panose="020B0604020202020204" pitchFamily="34" charset="0"/>
+                <a:cs typeface="Arial" panose="020B0604020202020204" pitchFamily="34" charset="0"/>
+              </a:rPr>
               <a:t> </a:t>
             </a:r>
             <a:r>
@@ -8246,7 +8453,7 @@
                 <a:latin typeface="Arial" panose="020B0604020202020204" pitchFamily="34" charset="0"/>
                 <a:cs typeface="Arial" panose="020B0604020202020204" pitchFamily="34" charset="0"/>
               </a:rPr>
-              <a:t>Bereich</a:t>
+              <a:t>Zeitverluste</a:t>
             </a:r>
             <a:r>
               <a:rPr lang="en-GB" sz="2000" b="0" dirty="0">
@@ -8257,11 +8464,19 @@
                 <a:latin typeface="Arial" panose="020B0604020202020204" pitchFamily="34" charset="0"/>
                 <a:cs typeface="Arial" panose="020B0604020202020204" pitchFamily="34" charset="0"/>
               </a:rPr>
-              <a:t> von…</a:t>
-            </a:r>
-          </a:p>
-          <a:p>
-            <a:pPr algn="l"/>
+              <a:t> </a:t>
+            </a:r>
+            <a:r>
+              <a:rPr lang="en-GB" sz="2000" b="0" dirty="0" err="1">
+                <a:solidFill>
+                  <a:schemeClr val="tx1"/>
+                </a:solidFill>
+                <a:effectLst/>
+                <a:latin typeface="Arial" panose="020B0604020202020204" pitchFamily="34" charset="0"/>
+                <a:cs typeface="Arial" panose="020B0604020202020204" pitchFamily="34" charset="0"/>
+              </a:rPr>
+              <a:t>durch</a:t>
+            </a:r>
             <a:r>
               <a:rPr lang="en-GB" sz="2000" b="0" dirty="0">
                 <a:solidFill>
@@ -8271,7 +8486,7 @@
                 <a:latin typeface="Arial" panose="020B0604020202020204" pitchFamily="34" charset="0"/>
                 <a:cs typeface="Arial" panose="020B0604020202020204" pitchFamily="34" charset="0"/>
               </a:rPr>
-              <a:t>	-&gt; </a:t>
+              <a:t> </a:t>
             </a:r>
             <a:r>
               <a:rPr lang="en-GB" sz="2000" b="0" dirty="0" err="1">
@@ -8282,7 +8497,7 @@
                 <a:latin typeface="Arial" panose="020B0604020202020204" pitchFamily="34" charset="0"/>
                 <a:cs typeface="Arial" panose="020B0604020202020204" pitchFamily="34" charset="0"/>
               </a:rPr>
-              <a:t>allgemeiner</a:t>
+              <a:t>Einrichtung</a:t>
             </a:r>
             <a:r>
               <a:rPr lang="en-GB" sz="2000" b="0" dirty="0">
@@ -8293,19 +8508,14 @@
                 <a:latin typeface="Arial" panose="020B0604020202020204" pitchFamily="34" charset="0"/>
                 <a:cs typeface="Arial" panose="020B0604020202020204" pitchFamily="34" charset="0"/>
               </a:rPr>
-              <a:t> </a:t>
-            </a:r>
-            <a:r>
-              <a:rPr lang="en-GB" sz="2000" b="0" dirty="0" err="1">
-                <a:solidFill>
-                  <a:schemeClr val="tx1"/>
-                </a:solidFill>
-                <a:effectLst/>
-                <a:latin typeface="Arial" panose="020B0604020202020204" pitchFamily="34" charset="0"/>
-                <a:cs typeface="Arial" panose="020B0604020202020204" pitchFamily="34" charset="0"/>
-              </a:rPr>
-              <a:t>Zusammenarbeit</a:t>
-            </a:r>
+              <a:t> der PCs</a:t>
+            </a:r>
+          </a:p>
+          <a:p>
+            <a:pPr marL="257175" indent="-257175" algn="l">
+              <a:buFontTx/>
+              <a:buChar char="-"/>
+            </a:pPr>
             <a:endParaRPr lang="en-GB" sz="2000" b="0" dirty="0">
               <a:solidFill>
                 <a:schemeClr val="tx1"/>
@@ -8315,100 +8525,12 @@
               <a:cs typeface="Arial" panose="020B0604020202020204" pitchFamily="34" charset="0"/>
             </a:endParaRPr>
           </a:p>
-          <a:p>
-            <a:pPr algn="l"/>
-            <a:r>
-              <a:rPr lang="en-GB" sz="2000" b="0" dirty="0">
-                <a:solidFill>
-                  <a:schemeClr val="tx1"/>
-                </a:solidFill>
-                <a:effectLst/>
-                <a:latin typeface="Arial" panose="020B0604020202020204" pitchFamily="34" charset="0"/>
-                <a:cs typeface="Arial" panose="020B0604020202020204" pitchFamily="34" charset="0"/>
-              </a:rPr>
-              <a:t>	-&gt; Organisation von </a:t>
-            </a:r>
-            <a:r>
-              <a:rPr lang="en-GB" sz="2000" b="0" dirty="0" err="1">
-                <a:solidFill>
-                  <a:schemeClr val="tx1"/>
-                </a:solidFill>
-                <a:effectLst/>
-                <a:latin typeface="Arial" panose="020B0604020202020204" pitchFamily="34" charset="0"/>
-                <a:cs typeface="Arial" panose="020B0604020202020204" pitchFamily="34" charset="0"/>
-              </a:rPr>
-              <a:t>Projekten</a:t>
-            </a:r>
-            <a:endParaRPr lang="en-GB" sz="2000" b="0" dirty="0">
-              <a:solidFill>
-                <a:schemeClr val="tx1"/>
-              </a:solidFill>
-              <a:effectLst/>
-              <a:latin typeface="Arial" panose="020B0604020202020204" pitchFamily="34" charset="0"/>
-              <a:cs typeface="Arial" panose="020B0604020202020204" pitchFamily="34" charset="0"/>
-            </a:endParaRPr>
-          </a:p>
-          <a:p>
-            <a:pPr algn="l"/>
-            <a:r>
-              <a:rPr lang="en-GB" sz="2000" b="0" dirty="0">
-                <a:solidFill>
-                  <a:schemeClr val="tx1"/>
-                </a:solidFill>
-                <a:effectLst/>
-                <a:latin typeface="Arial" panose="020B0604020202020204" pitchFamily="34" charset="0"/>
-                <a:cs typeface="Arial" panose="020B0604020202020204" pitchFamily="34" charset="0"/>
-              </a:rPr>
-              <a:t>	-&gt; </a:t>
-            </a:r>
-            <a:r>
-              <a:rPr lang="en-GB" sz="2000" b="0" dirty="0" err="1">
-                <a:solidFill>
-                  <a:schemeClr val="tx1"/>
-                </a:solidFill>
-                <a:effectLst/>
-                <a:latin typeface="Arial" panose="020B0604020202020204" pitchFamily="34" charset="0"/>
-                <a:cs typeface="Arial" panose="020B0604020202020204" pitchFamily="34" charset="0"/>
-              </a:rPr>
-              <a:t>verwendeten</a:t>
-            </a:r>
-            <a:r>
-              <a:rPr lang="en-GB" sz="2000" b="0" dirty="0">
-                <a:solidFill>
-                  <a:schemeClr val="tx1"/>
-                </a:solidFill>
-                <a:effectLst/>
-                <a:latin typeface="Arial" panose="020B0604020202020204" pitchFamily="34" charset="0"/>
-                <a:cs typeface="Arial" panose="020B0604020202020204" pitchFamily="34" charset="0"/>
-              </a:rPr>
-              <a:t> </a:t>
-            </a:r>
-            <a:r>
-              <a:rPr lang="en-GB" sz="2000" b="0" dirty="0" err="1">
-                <a:solidFill>
-                  <a:schemeClr val="tx1"/>
-                </a:solidFill>
-                <a:effectLst/>
-                <a:latin typeface="Arial" panose="020B0604020202020204" pitchFamily="34" charset="0"/>
-                <a:cs typeface="Arial" panose="020B0604020202020204" pitchFamily="34" charset="0"/>
-              </a:rPr>
-              <a:t>Technologien</a:t>
-            </a:r>
-            <a:endParaRPr lang="en-GB" sz="2000" b="0" dirty="0">
-              <a:solidFill>
-                <a:schemeClr val="tx1"/>
-              </a:solidFill>
-              <a:effectLst/>
-              <a:latin typeface="Arial" panose="020B0604020202020204" pitchFamily="34" charset="0"/>
-              <a:cs typeface="Arial" panose="020B0604020202020204" pitchFamily="34" charset="0"/>
-            </a:endParaRPr>
-          </a:p>
         </p:txBody>
       </p:sp>
     </p:spTree>
     <p:extLst>
       <p:ext uri="{BB962C8B-B14F-4D97-AF65-F5344CB8AC3E}">
-        <p14:creationId xmlns:p14="http://schemas.microsoft.com/office/powerpoint/2010/main" val="3724775025"/>
+        <p14:creationId xmlns:p14="http://schemas.microsoft.com/office/powerpoint/2010/main" val="2927456294"/>
       </p:ext>
     </p:extLst>
   </p:cSld>
@@ -8545,7 +8667,7 @@
 </p:sld>
 </file>
 
-<file path=ppt/slides/slide20.xml><?xml version="1.0" encoding="utf-8"?>
+<file path=ppt/slides/slide3.xml><?xml version="1.0" encoding="utf-8"?>
 <p:sld xmlns:a="http://schemas.openxmlformats.org/drawingml/2006/main" xmlns:r="http://schemas.openxmlformats.org/officeDocument/2006/relationships" xmlns:p="http://schemas.openxmlformats.org/presentationml/2006/main">
   <p:cSld>
     <p:spTree>
@@ -8564,459 +8686,6 @@
       </p:grpSpPr>
       <p:sp>
         <p:nvSpPr>
-          <p:cNvPr id="2" name="Titel 1">
-            <a:extLst>
-              <a:ext uri="{FF2B5EF4-FFF2-40B4-BE49-F238E27FC236}">
-                <a16:creationId xmlns:a16="http://schemas.microsoft.com/office/drawing/2014/main" id="{D1BB4B19-6A71-4A7C-93CD-4E317E195610}"/>
-              </a:ext>
-            </a:extLst>
-          </p:cNvPr>
-          <p:cNvSpPr>
-            <a:spLocks noGrp="1"/>
-          </p:cNvSpPr>
-          <p:nvPr>
-            <p:ph type="ctrTitle"/>
-          </p:nvPr>
-        </p:nvSpPr>
-        <p:spPr>
-          <a:xfrm>
-            <a:off x="1143000" y="109708"/>
-            <a:ext cx="6858000" cy="1790700"/>
-          </a:xfrm>
-        </p:spPr>
-        <p:txBody>
-          <a:bodyPr/>
-          <a:lstStyle/>
-          <a:p>
-            <a:r>
-              <a:rPr lang="en-GB" sz="2000" b="0" dirty="0" err="1">
-                <a:solidFill>
-                  <a:schemeClr val="tx1"/>
-                </a:solidFill>
-                <a:effectLst/>
-                <a:latin typeface="Arial" panose="020B0604020202020204" pitchFamily="34" charset="0"/>
-                <a:cs typeface="Arial" panose="020B0604020202020204" pitchFamily="34" charset="0"/>
-              </a:rPr>
-              <a:t>Probleme</a:t>
-            </a:r>
-            <a:endParaRPr lang="en-GB" sz="2000" b="0" dirty="0">
-              <a:solidFill>
-                <a:schemeClr val="tx1"/>
-              </a:solidFill>
-              <a:effectLst/>
-              <a:latin typeface="Arial" panose="020B0604020202020204" pitchFamily="34" charset="0"/>
-              <a:cs typeface="Arial" panose="020B0604020202020204" pitchFamily="34" charset="0"/>
-            </a:endParaRPr>
-          </a:p>
-        </p:txBody>
-      </p:sp>
-      <p:sp>
-        <p:nvSpPr>
-          <p:cNvPr id="3" name="Untertitel 2">
-            <a:extLst>
-              <a:ext uri="{FF2B5EF4-FFF2-40B4-BE49-F238E27FC236}">
-                <a16:creationId xmlns:a16="http://schemas.microsoft.com/office/drawing/2014/main" id="{7BE29A1C-2F49-45B9-B717-FACE1BB51629}"/>
-              </a:ext>
-            </a:extLst>
-          </p:cNvPr>
-          <p:cNvSpPr>
-            <a:spLocks noGrp="1"/>
-          </p:cNvSpPr>
-          <p:nvPr>
-            <p:ph type="subTitle" idx="1"/>
-          </p:nvPr>
-        </p:nvSpPr>
-        <p:spPr>
-          <a:xfrm>
-            <a:off x="1143000" y="2187178"/>
-            <a:ext cx="6858000" cy="3666614"/>
-          </a:xfrm>
-        </p:spPr>
-        <p:txBody>
-          <a:bodyPr>
-            <a:noAutofit/>
-          </a:bodyPr>
-          <a:lstStyle/>
-          <a:p>
-            <a:pPr marL="257175" indent="-257175" algn="l">
-              <a:buFontTx/>
-              <a:buChar char="-"/>
-            </a:pPr>
-            <a:r>
-              <a:rPr lang="en-GB" sz="2000" b="0" dirty="0" err="1">
-                <a:solidFill>
-                  <a:schemeClr val="tx1"/>
-                </a:solidFill>
-                <a:effectLst/>
-                <a:latin typeface="Arial" panose="020B0604020202020204" pitchFamily="34" charset="0"/>
-                <a:cs typeface="Arial" panose="020B0604020202020204" pitchFamily="34" charset="0"/>
-              </a:rPr>
-              <a:t>Unvorhersehbarer</a:t>
-            </a:r>
-            <a:r>
-              <a:rPr lang="en-GB" sz="2000" b="0" dirty="0">
-                <a:solidFill>
-                  <a:schemeClr val="tx1"/>
-                </a:solidFill>
-                <a:effectLst/>
-                <a:latin typeface="Arial" panose="020B0604020202020204" pitchFamily="34" charset="0"/>
-                <a:cs typeface="Arial" panose="020B0604020202020204" pitchFamily="34" charset="0"/>
-              </a:rPr>
-              <a:t> </a:t>
-            </a:r>
-            <a:r>
-              <a:rPr lang="en-GB" sz="2000" b="0" dirty="0" err="1">
-                <a:solidFill>
-                  <a:schemeClr val="tx1"/>
-                </a:solidFill>
-                <a:effectLst/>
-                <a:latin typeface="Arial" panose="020B0604020202020204" pitchFamily="34" charset="0"/>
-                <a:cs typeface="Arial" panose="020B0604020202020204" pitchFamily="34" charset="0"/>
-              </a:rPr>
-              <a:t>Verlust</a:t>
-            </a:r>
-            <a:r>
-              <a:rPr lang="en-GB" sz="2000" b="0" dirty="0">
-                <a:solidFill>
-                  <a:schemeClr val="tx1"/>
-                </a:solidFill>
-                <a:effectLst/>
-                <a:latin typeface="Arial" panose="020B0604020202020204" pitchFamily="34" charset="0"/>
-                <a:cs typeface="Arial" panose="020B0604020202020204" pitchFamily="34" charset="0"/>
-              </a:rPr>
-              <a:t> von </a:t>
-            </a:r>
-            <a:r>
-              <a:rPr lang="en-GB" sz="2000" b="0" dirty="0" err="1">
-                <a:solidFill>
-                  <a:schemeClr val="tx1"/>
-                </a:solidFill>
-                <a:effectLst/>
-                <a:latin typeface="Arial" panose="020B0604020202020204" pitchFamily="34" charset="0"/>
-                <a:cs typeface="Arial" panose="020B0604020202020204" pitchFamily="34" charset="0"/>
-              </a:rPr>
-              <a:t>Resourcen</a:t>
-            </a:r>
-            <a:endParaRPr lang="en-GB" sz="2000" b="0" dirty="0">
-              <a:solidFill>
-                <a:schemeClr val="tx1"/>
-              </a:solidFill>
-              <a:effectLst/>
-              <a:latin typeface="Arial" panose="020B0604020202020204" pitchFamily="34" charset="0"/>
-              <a:cs typeface="Arial" panose="020B0604020202020204" pitchFamily="34" charset="0"/>
-            </a:endParaRPr>
-          </a:p>
-          <a:p>
-            <a:pPr marL="257175" indent="-257175" algn="l">
-              <a:buFontTx/>
-              <a:buChar char="-"/>
-            </a:pPr>
-            <a:r>
-              <a:rPr lang="en-GB" sz="2000" b="0" dirty="0" err="1">
-                <a:solidFill>
-                  <a:schemeClr val="tx1"/>
-                </a:solidFill>
-                <a:effectLst/>
-                <a:latin typeface="Arial" panose="020B0604020202020204" pitchFamily="34" charset="0"/>
-                <a:cs typeface="Arial" panose="020B0604020202020204" pitchFamily="34" charset="0"/>
-              </a:rPr>
-              <a:t>Fehlerhafte</a:t>
-            </a:r>
-            <a:r>
-              <a:rPr lang="en-GB" sz="2000" b="0" dirty="0">
-                <a:solidFill>
-                  <a:schemeClr val="tx1"/>
-                </a:solidFill>
-                <a:effectLst/>
-                <a:latin typeface="Arial" panose="020B0604020202020204" pitchFamily="34" charset="0"/>
-                <a:cs typeface="Arial" panose="020B0604020202020204" pitchFamily="34" charset="0"/>
-              </a:rPr>
-              <a:t> Node-</a:t>
-            </a:r>
-            <a:r>
-              <a:rPr lang="en-GB" sz="2000" b="0" dirty="0" err="1">
-                <a:solidFill>
-                  <a:schemeClr val="tx1"/>
-                </a:solidFill>
-                <a:effectLst/>
-                <a:latin typeface="Arial" panose="020B0604020202020204" pitchFamily="34" charset="0"/>
-                <a:cs typeface="Arial" panose="020B0604020202020204" pitchFamily="34" charset="0"/>
-              </a:rPr>
-              <a:t>Installationen</a:t>
-            </a:r>
-            <a:endParaRPr lang="en-GB" sz="2000" b="0" dirty="0">
-              <a:solidFill>
-                <a:schemeClr val="tx1"/>
-              </a:solidFill>
-              <a:effectLst/>
-              <a:latin typeface="Arial" panose="020B0604020202020204" pitchFamily="34" charset="0"/>
-              <a:cs typeface="Arial" panose="020B0604020202020204" pitchFamily="34" charset="0"/>
-            </a:endParaRPr>
-          </a:p>
-          <a:p>
-            <a:pPr marL="257175" indent="-257175" algn="l">
-              <a:buFontTx/>
-              <a:buChar char="-"/>
-            </a:pPr>
-            <a:r>
-              <a:rPr lang="en-GB" sz="2000" b="0" dirty="0" err="1">
-                <a:solidFill>
-                  <a:schemeClr val="tx1"/>
-                </a:solidFill>
-                <a:effectLst/>
-                <a:latin typeface="Arial" panose="020B0604020202020204" pitchFamily="34" charset="0"/>
-                <a:cs typeface="Arial" panose="020B0604020202020204" pitchFamily="34" charset="0"/>
-              </a:rPr>
-              <a:t>Fehlende</a:t>
-            </a:r>
-            <a:r>
-              <a:rPr lang="en-GB" sz="2000" b="0" dirty="0">
-                <a:solidFill>
-                  <a:schemeClr val="tx1"/>
-                </a:solidFill>
-                <a:effectLst/>
-                <a:latin typeface="Arial" panose="020B0604020202020204" pitchFamily="34" charset="0"/>
-                <a:cs typeface="Arial" panose="020B0604020202020204" pitchFamily="34" charset="0"/>
-              </a:rPr>
-              <a:t> Module</a:t>
-            </a:r>
-          </a:p>
-          <a:p>
-            <a:pPr marL="257175" indent="-257175" algn="l">
-              <a:buFontTx/>
-              <a:buChar char="-"/>
-            </a:pPr>
-            <a:r>
-              <a:rPr lang="en-GB" sz="2000" b="0" dirty="0" err="1">
-                <a:solidFill>
-                  <a:schemeClr val="tx1"/>
-                </a:solidFill>
-                <a:effectLst/>
-                <a:latin typeface="Arial" panose="020B0604020202020204" pitchFamily="34" charset="0"/>
-                <a:cs typeface="Arial" panose="020B0604020202020204" pitchFamily="34" charset="0"/>
-              </a:rPr>
-              <a:t>Probleme</a:t>
-            </a:r>
-            <a:r>
-              <a:rPr lang="en-GB" sz="2000" b="0" dirty="0">
-                <a:solidFill>
-                  <a:schemeClr val="tx1"/>
-                </a:solidFill>
-                <a:effectLst/>
-                <a:latin typeface="Arial" panose="020B0604020202020204" pitchFamily="34" charset="0"/>
-                <a:cs typeface="Arial" panose="020B0604020202020204" pitchFamily="34" charset="0"/>
-              </a:rPr>
-              <a:t> </a:t>
-            </a:r>
-            <a:r>
-              <a:rPr lang="en-GB" sz="2000" b="0" dirty="0" err="1">
-                <a:solidFill>
-                  <a:schemeClr val="tx1"/>
-                </a:solidFill>
-                <a:effectLst/>
-                <a:latin typeface="Arial" panose="020B0604020202020204" pitchFamily="34" charset="0"/>
-                <a:cs typeface="Arial" panose="020B0604020202020204" pitchFamily="34" charset="0"/>
-              </a:rPr>
-              <a:t>mit</a:t>
-            </a:r>
-            <a:r>
-              <a:rPr lang="en-GB" sz="2000" b="0" dirty="0">
-                <a:solidFill>
-                  <a:schemeClr val="tx1"/>
-                </a:solidFill>
-                <a:effectLst/>
-                <a:latin typeface="Arial" panose="020B0604020202020204" pitchFamily="34" charset="0"/>
-                <a:cs typeface="Arial" panose="020B0604020202020204" pitchFamily="34" charset="0"/>
-              </a:rPr>
-              <a:t> </a:t>
-            </a:r>
-            <a:r>
-              <a:rPr lang="en-GB" sz="2000" b="0" dirty="0" err="1">
-                <a:solidFill>
-                  <a:schemeClr val="tx1"/>
-                </a:solidFill>
-                <a:effectLst/>
-                <a:latin typeface="Arial" panose="020B0604020202020204" pitchFamily="34" charset="0"/>
-                <a:cs typeface="Arial" panose="020B0604020202020204" pitchFamily="34" charset="0"/>
-              </a:rPr>
-              <a:t>Zugriffsrechten</a:t>
-            </a:r>
-            <a:r>
-              <a:rPr lang="en-GB" sz="2000" b="0" dirty="0">
-                <a:solidFill>
-                  <a:schemeClr val="tx1"/>
-                </a:solidFill>
-                <a:effectLst/>
-                <a:latin typeface="Arial" panose="020B0604020202020204" pitchFamily="34" charset="0"/>
-                <a:cs typeface="Arial" panose="020B0604020202020204" pitchFamily="34" charset="0"/>
-              </a:rPr>
-              <a:t> der </a:t>
-            </a:r>
-            <a:r>
-              <a:rPr lang="en-GB" sz="2000" b="0" dirty="0" err="1">
-                <a:solidFill>
-                  <a:schemeClr val="tx1"/>
-                </a:solidFill>
-                <a:effectLst/>
-                <a:latin typeface="Arial" panose="020B0604020202020204" pitchFamily="34" charset="0"/>
-                <a:cs typeface="Arial" panose="020B0604020202020204" pitchFamily="34" charset="0"/>
-              </a:rPr>
-              <a:t>Schul</a:t>
-            </a:r>
-            <a:r>
-              <a:rPr lang="en-GB" sz="2000" b="0" dirty="0">
-                <a:solidFill>
-                  <a:schemeClr val="tx1"/>
-                </a:solidFill>
-                <a:effectLst/>
-                <a:latin typeface="Arial" panose="020B0604020202020204" pitchFamily="34" charset="0"/>
-                <a:cs typeface="Arial" panose="020B0604020202020204" pitchFamily="34" charset="0"/>
-              </a:rPr>
-              <a:t>-PCs</a:t>
-            </a:r>
-          </a:p>
-          <a:p>
-            <a:pPr marL="257175" indent="-257175" algn="l">
-              <a:buFontTx/>
-              <a:buChar char="-"/>
-            </a:pPr>
-            <a:r>
-              <a:rPr lang="en-GB" sz="2000" b="0" dirty="0" err="1">
-                <a:solidFill>
-                  <a:schemeClr val="tx1"/>
-                </a:solidFill>
-                <a:effectLst/>
-                <a:latin typeface="Arial" panose="020B0604020202020204" pitchFamily="34" charset="0"/>
-                <a:cs typeface="Arial" panose="020B0604020202020204" pitchFamily="34" charset="0"/>
-              </a:rPr>
-              <a:t>Hohe</a:t>
-            </a:r>
-            <a:r>
-              <a:rPr lang="en-GB" sz="2000" b="0" dirty="0">
-                <a:solidFill>
-                  <a:schemeClr val="tx1"/>
-                </a:solidFill>
-                <a:effectLst/>
-                <a:latin typeface="Arial" panose="020B0604020202020204" pitchFamily="34" charset="0"/>
-                <a:cs typeface="Arial" panose="020B0604020202020204" pitchFamily="34" charset="0"/>
-              </a:rPr>
-              <a:t> </a:t>
-            </a:r>
-            <a:r>
-              <a:rPr lang="en-GB" sz="2000" b="0" dirty="0" err="1">
-                <a:solidFill>
-                  <a:schemeClr val="tx1"/>
-                </a:solidFill>
-                <a:effectLst/>
-                <a:latin typeface="Arial" panose="020B0604020202020204" pitchFamily="34" charset="0"/>
-                <a:cs typeface="Arial" panose="020B0604020202020204" pitchFamily="34" charset="0"/>
-              </a:rPr>
-              <a:t>Zeitverluste</a:t>
-            </a:r>
-            <a:r>
-              <a:rPr lang="en-GB" sz="2000" b="0" dirty="0">
-                <a:solidFill>
-                  <a:schemeClr val="tx1"/>
-                </a:solidFill>
-                <a:effectLst/>
-                <a:latin typeface="Arial" panose="020B0604020202020204" pitchFamily="34" charset="0"/>
-                <a:cs typeface="Arial" panose="020B0604020202020204" pitchFamily="34" charset="0"/>
-              </a:rPr>
-              <a:t> </a:t>
-            </a:r>
-            <a:r>
-              <a:rPr lang="en-GB" sz="2000" b="0" dirty="0" err="1">
-                <a:solidFill>
-                  <a:schemeClr val="tx1"/>
-                </a:solidFill>
-                <a:effectLst/>
-                <a:latin typeface="Arial" panose="020B0604020202020204" pitchFamily="34" charset="0"/>
-                <a:cs typeface="Arial" panose="020B0604020202020204" pitchFamily="34" charset="0"/>
-              </a:rPr>
-              <a:t>durch</a:t>
-            </a:r>
-            <a:r>
-              <a:rPr lang="en-GB" sz="2000" b="0" dirty="0">
-                <a:solidFill>
-                  <a:schemeClr val="tx1"/>
-                </a:solidFill>
-                <a:effectLst/>
-                <a:latin typeface="Arial" panose="020B0604020202020204" pitchFamily="34" charset="0"/>
-                <a:cs typeface="Arial" panose="020B0604020202020204" pitchFamily="34" charset="0"/>
-              </a:rPr>
-              <a:t> </a:t>
-            </a:r>
-            <a:r>
-              <a:rPr lang="en-GB" sz="2000" b="0" dirty="0" err="1">
-                <a:solidFill>
-                  <a:schemeClr val="tx1"/>
-                </a:solidFill>
-                <a:effectLst/>
-                <a:latin typeface="Arial" panose="020B0604020202020204" pitchFamily="34" charset="0"/>
-                <a:cs typeface="Arial" panose="020B0604020202020204" pitchFamily="34" charset="0"/>
-              </a:rPr>
-              <a:t>Einrichtung</a:t>
-            </a:r>
-            <a:r>
-              <a:rPr lang="en-GB" sz="2000" b="0" dirty="0">
-                <a:solidFill>
-                  <a:schemeClr val="tx1"/>
-                </a:solidFill>
-                <a:effectLst/>
-                <a:latin typeface="Arial" panose="020B0604020202020204" pitchFamily="34" charset="0"/>
-                <a:cs typeface="Arial" panose="020B0604020202020204" pitchFamily="34" charset="0"/>
-              </a:rPr>
-              <a:t> der PCs</a:t>
-            </a:r>
-          </a:p>
-          <a:p>
-            <a:pPr marL="257175" indent="-257175" algn="l">
-              <a:buFontTx/>
-              <a:buChar char="-"/>
-            </a:pPr>
-            <a:endParaRPr lang="en-GB" sz="2000" b="0" dirty="0">
-              <a:solidFill>
-                <a:schemeClr val="tx1"/>
-              </a:solidFill>
-              <a:effectLst/>
-              <a:latin typeface="Arial" panose="020B0604020202020204" pitchFamily="34" charset="0"/>
-              <a:cs typeface="Arial" panose="020B0604020202020204" pitchFamily="34" charset="0"/>
-            </a:endParaRPr>
-          </a:p>
-        </p:txBody>
-      </p:sp>
-    </p:spTree>
-    <p:extLst>
-      <p:ext uri="{BB962C8B-B14F-4D97-AF65-F5344CB8AC3E}">
-        <p14:creationId xmlns:p14="http://schemas.microsoft.com/office/powerpoint/2010/main" val="2927456294"/>
-      </p:ext>
-    </p:extLst>
-  </p:cSld>
-  <p:clrMapOvr>
-    <a:masterClrMapping/>
-  </p:clrMapOvr>
-</p:sld>
-</file>
-
-<file path=ppt/slides/slide3.xml><?xml version="1.0" encoding="utf-8"?>
-<p:sld xmlns:a="http://schemas.openxmlformats.org/drawingml/2006/main" xmlns:r="http://schemas.openxmlformats.org/officeDocument/2006/relationships" xmlns:p="http://schemas.openxmlformats.org/presentationml/2006/main" show="0">
-  <p:cSld>
-    <p:spTree>
-      <p:nvGrpSpPr>
-        <p:cNvPr id="1" name=""/>
-        <p:cNvGrpSpPr/>
-        <p:nvPr/>
-      </p:nvGrpSpPr>
-      <p:grpSpPr>
-        <a:xfrm>
-          <a:off x="0" y="0"/>
-          <a:ext cx="0" cy="0"/>
-          <a:chOff x="0" y="0"/>
-          <a:chExt cx="0" cy="0"/>
-        </a:xfrm>
-      </p:grpSpPr>
-      <p:sp>
-        <p:nvSpPr>
           <p:cNvPr id="39" name="TextShape 1"/>
           <p:cNvSpPr txBox="1"/>
           <p:nvPr/>
@@ -9168,16 +8837,24 @@
           <a:bodyPr lIns="0" tIns="0" rIns="0" bIns="0" anchor="ctr"/>
           <a:lstStyle/>
           <a:p>
-            <a:pPr marL="195934" indent="-195934">
+            <a:pPr marL="342900" indent="-342900">
               <a:buClr>
                 <a:srgbClr val="000000"/>
               </a:buClr>
               <a:buSzPct val="45000"/>
-              <a:buFont typeface="Wingdings" charset="2"/>
-              <a:buChar char=""/>
+              <a:buFont typeface="Arial" panose="020B0604020202020204" pitchFamily="34" charset="0"/>
+              <a:buChar char="•"/>
             </a:pPr>
             <a:r>
-              <a:rPr lang="en-US" sz="2268" spc="-1" dirty="0" err="1">
+              <a:rPr lang="en-US" sz="2268" dirty="0" err="1">
+                <a:ln w="0"/>
+                <a:effectLst>
+                  <a:outerShdw blurRad="38100" dist="19050" dir="2700000" algn="tl" rotWithShape="0">
+                    <a:schemeClr val="dk1">
+                      <a:alpha val="40000"/>
+                    </a:schemeClr>
+                  </a:outerShdw>
+                </a:effectLst>
                 <a:uFill>
                   <a:solidFill>
                     <a:srgbClr val="FFFFFF"/>
@@ -9821,849 +9498,6 @@
       </p:grpSpPr>
       <p:sp>
         <p:nvSpPr>
-          <p:cNvPr id="3" name="Subtitle 2"/>
-          <p:cNvSpPr>
-            <a:spLocks noGrp="1"/>
-          </p:cNvSpPr>
-          <p:nvPr>
-            <p:ph type="subTitle"/>
-          </p:nvPr>
-        </p:nvSpPr>
-        <p:spPr/>
-        <p:txBody>
-          <a:bodyPr/>
-          <a:lstStyle/>
-          <a:p>
-            <a:pPr marL="195934" indent="-195934">
-              <a:buClr>
-                <a:srgbClr val="000000"/>
-              </a:buClr>
-              <a:buSzPct val="45000"/>
-              <a:buFont typeface="Wingdings" charset="2"/>
-              <a:buChar char=""/>
-            </a:pPr>
-            <a:r>
-              <a:rPr lang="en-US" spc="-1" dirty="0" err="1">
-                <a:uFill>
-                  <a:solidFill>
-                    <a:srgbClr val="FFFFFF"/>
-                  </a:solidFill>
-                </a:uFill>
-                <a:latin typeface="Arial"/>
-                <a:ea typeface="Calibri"/>
-              </a:rPr>
-              <a:t>Verkäufer</a:t>
-            </a:r>
-            <a:r>
-              <a:rPr lang="en-US" spc="-1" dirty="0">
-                <a:uFill>
-                  <a:solidFill>
-                    <a:srgbClr val="FFFFFF"/>
-                  </a:solidFill>
-                </a:uFill>
-                <a:latin typeface="Arial"/>
-                <a:ea typeface="Calibri"/>
-              </a:rPr>
-              <a:t> </a:t>
-            </a:r>
-            <a:r>
-              <a:rPr lang="en-US" spc="-1" dirty="0" err="1">
-                <a:uFill>
-                  <a:solidFill>
-                    <a:srgbClr val="FFFFFF"/>
-                  </a:solidFill>
-                </a:uFill>
-                <a:latin typeface="Arial"/>
-                <a:ea typeface="Calibri"/>
-              </a:rPr>
-              <a:t>haben</a:t>
-            </a:r>
-            <a:r>
-              <a:rPr lang="en-US" spc="-1" dirty="0">
-                <a:uFill>
-                  <a:solidFill>
-                    <a:srgbClr val="FFFFFF"/>
-                  </a:solidFill>
-                </a:uFill>
-                <a:latin typeface="Arial"/>
-                <a:ea typeface="Calibri"/>
-              </a:rPr>
-              <a:t> die </a:t>
-            </a:r>
-            <a:r>
-              <a:rPr lang="en-US" spc="-1" dirty="0" err="1">
-                <a:uFill>
-                  <a:solidFill>
-                    <a:srgbClr val="FFFFFF"/>
-                  </a:solidFill>
-                </a:uFill>
-                <a:latin typeface="Arial"/>
-                <a:ea typeface="Calibri"/>
-              </a:rPr>
-              <a:t>Herausforderung</a:t>
-            </a:r>
-            <a:r>
-              <a:rPr lang="en-US" spc="-1" dirty="0">
-                <a:uFill>
-                  <a:solidFill>
-                    <a:srgbClr val="FFFFFF"/>
-                  </a:solidFill>
-                </a:uFill>
-                <a:latin typeface="Arial"/>
-                <a:ea typeface="Calibri"/>
-              </a:rPr>
-              <a:t> </a:t>
-            </a:r>
-            <a:r>
-              <a:rPr lang="en-US" spc="-1" dirty="0" err="1">
-                <a:uFill>
-                  <a:solidFill>
-                    <a:srgbClr val="FFFFFF"/>
-                  </a:solidFill>
-                </a:uFill>
-                <a:latin typeface="Arial"/>
-                <a:ea typeface="Calibri"/>
-              </a:rPr>
-              <a:t>ein</a:t>
-            </a:r>
-            <a:r>
-              <a:rPr lang="en-US" spc="-1" dirty="0">
-                <a:uFill>
-                  <a:solidFill>
-                    <a:srgbClr val="FFFFFF"/>
-                  </a:solidFill>
-                </a:uFill>
-                <a:latin typeface="Arial"/>
-                <a:ea typeface="Calibri"/>
-              </a:rPr>
-              <a:t> </a:t>
-            </a:r>
-            <a:r>
-              <a:rPr lang="en-US" spc="-1" dirty="0" err="1">
-                <a:uFill>
-                  <a:solidFill>
-                    <a:srgbClr val="FFFFFF"/>
-                  </a:solidFill>
-                </a:uFill>
-                <a:latin typeface="Arial"/>
-                <a:ea typeface="Calibri"/>
-              </a:rPr>
-              <a:t>Automobil</a:t>
-            </a:r>
-            <a:r>
-              <a:rPr lang="en-US" spc="-1" dirty="0">
-                <a:uFill>
-                  <a:solidFill>
-                    <a:srgbClr val="FFFFFF"/>
-                  </a:solidFill>
-                </a:uFill>
-                <a:latin typeface="Arial"/>
-                <a:ea typeface="Calibri"/>
-              </a:rPr>
-              <a:t> </a:t>
-            </a:r>
-            <a:r>
-              <a:rPr lang="en-US" spc="-1" dirty="0" err="1">
-                <a:uFill>
-                  <a:solidFill>
-                    <a:srgbClr val="FFFFFF"/>
-                  </a:solidFill>
-                </a:uFill>
-                <a:latin typeface="Arial"/>
-                <a:ea typeface="Calibri"/>
-              </a:rPr>
-              <a:t>anzubieten</a:t>
-            </a:r>
-            <a:endParaRPr lang="de-DE" sz="2800" spc="-1" dirty="0">
-              <a:uFill>
-                <a:solidFill>
-                  <a:srgbClr val="FFFFFF"/>
-                </a:solidFill>
-              </a:uFill>
-              <a:latin typeface="Arial"/>
-            </a:endParaRPr>
-          </a:p>
-          <a:p>
-            <a:pPr marL="195934" indent="-195934">
-              <a:buClr>
-                <a:srgbClr val="000000"/>
-              </a:buClr>
-              <a:buSzPct val="45000"/>
-              <a:buFont typeface="Wingdings" charset="2"/>
-              <a:buChar char=""/>
-            </a:pPr>
-            <a:r>
-              <a:rPr lang="en-US" spc="-1" dirty="0" err="1">
-                <a:uFill>
-                  <a:solidFill>
-                    <a:srgbClr val="FFFFFF"/>
-                  </a:solidFill>
-                </a:uFill>
-                <a:latin typeface="Arial"/>
-                <a:ea typeface="Calibri"/>
-              </a:rPr>
-              <a:t>Im</a:t>
-            </a:r>
-            <a:r>
-              <a:rPr lang="en-US" spc="-1" dirty="0">
-                <a:uFill>
-                  <a:solidFill>
-                    <a:srgbClr val="FFFFFF"/>
-                  </a:solidFill>
-                </a:uFill>
-                <a:latin typeface="Arial"/>
-                <a:ea typeface="Calibri"/>
-              </a:rPr>
-              <a:t> Internet </a:t>
-            </a:r>
-            <a:r>
-              <a:rPr lang="en-US" spc="-1" dirty="0" err="1">
-                <a:uFill>
-                  <a:solidFill>
-                    <a:srgbClr val="FFFFFF"/>
-                  </a:solidFill>
-                </a:uFill>
-                <a:latin typeface="Arial"/>
-                <a:ea typeface="Calibri"/>
-              </a:rPr>
-              <a:t>ist</a:t>
-            </a:r>
-            <a:r>
-              <a:rPr lang="en-US" spc="-1" dirty="0">
-                <a:uFill>
-                  <a:solidFill>
-                    <a:srgbClr val="FFFFFF"/>
-                  </a:solidFill>
-                </a:uFill>
-                <a:latin typeface="Arial"/>
-                <a:ea typeface="Calibri"/>
-              </a:rPr>
-              <a:t> </a:t>
-            </a:r>
-            <a:r>
-              <a:rPr lang="en-US" spc="-1" dirty="0" err="1">
-                <a:uFill>
-                  <a:solidFill>
-                    <a:srgbClr val="FFFFFF"/>
-                  </a:solidFill>
-                </a:uFill>
-                <a:latin typeface="Arial"/>
-                <a:ea typeface="Calibri"/>
-              </a:rPr>
-              <a:t>es</a:t>
-            </a:r>
-            <a:r>
-              <a:rPr lang="en-US" spc="-1" dirty="0">
-                <a:uFill>
-                  <a:solidFill>
-                    <a:srgbClr val="FFFFFF"/>
-                  </a:solidFill>
-                </a:uFill>
-                <a:latin typeface="Arial"/>
-                <a:ea typeface="Calibri"/>
-              </a:rPr>
-              <a:t> </a:t>
-            </a:r>
-            <a:r>
-              <a:rPr lang="en-US" spc="-1" dirty="0" err="1">
-                <a:uFill>
-                  <a:solidFill>
-                    <a:srgbClr val="FFFFFF"/>
-                  </a:solidFill>
-                </a:uFill>
-                <a:latin typeface="Arial"/>
-                <a:ea typeface="Calibri"/>
-              </a:rPr>
-              <a:t>schwer</a:t>
-            </a:r>
-            <a:r>
-              <a:rPr lang="en-US" spc="-1" dirty="0">
-                <a:uFill>
-                  <a:solidFill>
-                    <a:srgbClr val="FFFFFF"/>
-                  </a:solidFill>
-                </a:uFill>
-                <a:latin typeface="Arial"/>
-                <a:ea typeface="Calibri"/>
-              </a:rPr>
-              <a:t> </a:t>
-            </a:r>
-            <a:r>
-              <a:rPr lang="en-US" spc="-1" dirty="0" err="1">
-                <a:uFill>
-                  <a:solidFill>
-                    <a:srgbClr val="FFFFFF"/>
-                  </a:solidFill>
-                </a:uFill>
-                <a:latin typeface="Arial"/>
-                <a:ea typeface="Calibri"/>
-              </a:rPr>
-              <a:t>einen</a:t>
-            </a:r>
-            <a:r>
-              <a:rPr lang="en-US" spc="-1" dirty="0">
-                <a:uFill>
-                  <a:solidFill>
-                    <a:srgbClr val="FFFFFF"/>
-                  </a:solidFill>
-                </a:uFill>
-                <a:latin typeface="Arial"/>
-                <a:ea typeface="Calibri"/>
-              </a:rPr>
-              <a:t> </a:t>
-            </a:r>
-            <a:r>
-              <a:rPr lang="en-US" spc="-1" dirty="0" err="1">
-                <a:uFill>
-                  <a:solidFill>
-                    <a:srgbClr val="FFFFFF"/>
-                  </a:solidFill>
-                </a:uFill>
-                <a:latin typeface="Arial"/>
-                <a:ea typeface="Calibri"/>
-              </a:rPr>
-              <a:t>Kunden</a:t>
-            </a:r>
-            <a:r>
-              <a:rPr lang="en-US" spc="-1" dirty="0">
-                <a:uFill>
-                  <a:solidFill>
-                    <a:srgbClr val="FFFFFF"/>
-                  </a:solidFill>
-                </a:uFill>
-                <a:latin typeface="Arial"/>
-                <a:ea typeface="Calibri"/>
-              </a:rPr>
-              <a:t> </a:t>
-            </a:r>
-            <a:r>
-              <a:rPr lang="en-US" spc="-1" dirty="0" err="1">
-                <a:uFill>
-                  <a:solidFill>
-                    <a:srgbClr val="FFFFFF"/>
-                  </a:solidFill>
-                </a:uFill>
-                <a:latin typeface="Arial"/>
-                <a:ea typeface="Calibri"/>
-              </a:rPr>
-              <a:t>zu</a:t>
-            </a:r>
-            <a:r>
-              <a:rPr lang="en-US" spc="-1" dirty="0">
-                <a:uFill>
-                  <a:solidFill>
-                    <a:srgbClr val="FFFFFF"/>
-                  </a:solidFill>
-                </a:uFill>
-                <a:latin typeface="Arial"/>
-                <a:ea typeface="Calibri"/>
-              </a:rPr>
-              <a:t> </a:t>
-            </a:r>
-            <a:r>
-              <a:rPr lang="en-US" spc="-1" dirty="0" err="1">
-                <a:uFill>
-                  <a:solidFill>
-                    <a:srgbClr val="FFFFFF"/>
-                  </a:solidFill>
-                </a:uFill>
-                <a:latin typeface="Arial"/>
-                <a:ea typeface="Calibri"/>
-              </a:rPr>
-              <a:t>überzeugen</a:t>
-            </a:r>
-            <a:endParaRPr lang="de-DE" sz="2800" spc="-1" dirty="0">
-              <a:uFill>
-                <a:solidFill>
-                  <a:srgbClr val="FFFFFF"/>
-                </a:solidFill>
-              </a:uFill>
-              <a:latin typeface="Arial"/>
-            </a:endParaRPr>
-          </a:p>
-          <a:p>
-            <a:pPr marL="195934" indent="-195934">
-              <a:buClr>
-                <a:srgbClr val="000000"/>
-              </a:buClr>
-              <a:buSzPct val="45000"/>
-              <a:buFont typeface="Wingdings" charset="2"/>
-              <a:buChar char=""/>
-            </a:pPr>
-            <a:r>
-              <a:rPr lang="en-US" spc="-1" dirty="0" err="1">
-                <a:uFill>
-                  <a:solidFill>
-                    <a:srgbClr val="FFFFFF"/>
-                  </a:solidFill>
-                </a:uFill>
-                <a:latin typeface="Arial"/>
-                <a:ea typeface="Calibri"/>
-              </a:rPr>
-              <a:t>Eine</a:t>
-            </a:r>
-            <a:r>
-              <a:rPr lang="en-US" spc="-1" dirty="0">
-                <a:uFill>
-                  <a:solidFill>
-                    <a:srgbClr val="FFFFFF"/>
-                  </a:solidFill>
-                </a:uFill>
-                <a:latin typeface="Arial"/>
-                <a:ea typeface="Calibri"/>
-              </a:rPr>
-              <a:t> </a:t>
-            </a:r>
-            <a:r>
-              <a:rPr lang="en-US" spc="-1" dirty="0" err="1">
-                <a:uFill>
-                  <a:solidFill>
-                    <a:srgbClr val="FFFFFF"/>
-                  </a:solidFill>
-                </a:uFill>
-                <a:latin typeface="Arial"/>
-                <a:ea typeface="Calibri"/>
-              </a:rPr>
-              <a:t>gute</a:t>
-            </a:r>
-            <a:r>
-              <a:rPr lang="en-US" spc="-1" dirty="0">
-                <a:uFill>
-                  <a:solidFill>
-                    <a:srgbClr val="FFFFFF"/>
-                  </a:solidFill>
-                </a:uFill>
-                <a:latin typeface="Arial"/>
-                <a:ea typeface="Calibri"/>
-              </a:rPr>
-              <a:t> </a:t>
-            </a:r>
-            <a:r>
-              <a:rPr lang="en-US" spc="-1" dirty="0" err="1">
-                <a:uFill>
-                  <a:solidFill>
-                    <a:srgbClr val="FFFFFF"/>
-                  </a:solidFill>
-                </a:uFill>
-                <a:latin typeface="Arial"/>
-                <a:ea typeface="Calibri"/>
-              </a:rPr>
-              <a:t>Übersicht</a:t>
-            </a:r>
-            <a:r>
-              <a:rPr lang="en-US" spc="-1" dirty="0">
-                <a:uFill>
-                  <a:solidFill>
-                    <a:srgbClr val="FFFFFF"/>
-                  </a:solidFill>
-                </a:uFill>
-                <a:latin typeface="Arial"/>
-                <a:ea typeface="Calibri"/>
-              </a:rPr>
-              <a:t> der </a:t>
-            </a:r>
-            <a:r>
-              <a:rPr lang="en-US" spc="-1" dirty="0" err="1">
-                <a:uFill>
-                  <a:solidFill>
-                    <a:srgbClr val="FFFFFF"/>
-                  </a:solidFill>
-                </a:uFill>
-                <a:latin typeface="Arial"/>
-                <a:ea typeface="Calibri"/>
-              </a:rPr>
-              <a:t>Onlineplattform</a:t>
-            </a:r>
-            <a:r>
-              <a:rPr lang="en-US" spc="-1" dirty="0">
-                <a:uFill>
-                  <a:solidFill>
-                    <a:srgbClr val="FFFFFF"/>
-                  </a:solidFill>
-                </a:uFill>
-                <a:latin typeface="Arial"/>
-                <a:ea typeface="Calibri"/>
-              </a:rPr>
-              <a:t> </a:t>
-            </a:r>
-            <a:r>
-              <a:rPr lang="en-US" spc="-1" dirty="0" err="1">
-                <a:uFill>
-                  <a:solidFill>
-                    <a:srgbClr val="FFFFFF"/>
-                  </a:solidFill>
-                </a:uFill>
-                <a:latin typeface="Arial"/>
-                <a:ea typeface="Calibri"/>
-              </a:rPr>
-              <a:t>wird</a:t>
-            </a:r>
-            <a:r>
-              <a:rPr lang="en-US" spc="-1" dirty="0">
-                <a:uFill>
-                  <a:solidFill>
-                    <a:srgbClr val="FFFFFF"/>
-                  </a:solidFill>
-                </a:uFill>
-                <a:latin typeface="Arial"/>
-                <a:ea typeface="Calibri"/>
-              </a:rPr>
-              <a:t> </a:t>
-            </a:r>
-            <a:r>
-              <a:rPr lang="en-US" spc="-1" dirty="0" err="1">
-                <a:uFill>
-                  <a:solidFill>
-                    <a:srgbClr val="FFFFFF"/>
-                  </a:solidFill>
-                </a:uFill>
-                <a:latin typeface="Arial"/>
-                <a:ea typeface="Calibri"/>
-              </a:rPr>
-              <a:t>benötigt</a:t>
-            </a:r>
-            <a:endParaRPr lang="de-DE" sz="2800" spc="-1" dirty="0">
-              <a:uFill>
-                <a:solidFill>
-                  <a:srgbClr val="FFFFFF"/>
-                </a:solidFill>
-              </a:uFill>
-              <a:latin typeface="Arial"/>
-            </a:endParaRPr>
-          </a:p>
-          <a:p>
-            <a:pPr marL="195934" indent="-195934">
-              <a:buClr>
-                <a:srgbClr val="000000"/>
-              </a:buClr>
-              <a:buSzPct val="45000"/>
-              <a:buFont typeface="Wingdings" charset="2"/>
-              <a:buChar char=""/>
-            </a:pPr>
-            <a:r>
-              <a:rPr lang="en-US" spc="-1" dirty="0" err="1">
-                <a:uFill>
-                  <a:solidFill>
-                    <a:srgbClr val="FFFFFF"/>
-                  </a:solidFill>
-                </a:uFill>
-                <a:latin typeface="Arial"/>
-                <a:ea typeface="Calibri"/>
-              </a:rPr>
-              <a:t>Vergleichbarkeit</a:t>
-            </a:r>
-            <a:r>
-              <a:rPr lang="en-US" spc="-1" dirty="0">
-                <a:uFill>
-                  <a:solidFill>
-                    <a:srgbClr val="FFFFFF"/>
-                  </a:solidFill>
-                </a:uFill>
-                <a:latin typeface="Arial"/>
-                <a:ea typeface="Calibri"/>
-              </a:rPr>
-              <a:t> und </a:t>
-            </a:r>
-            <a:r>
-              <a:rPr lang="en-US" spc="-1" dirty="0" err="1">
-                <a:uFill>
-                  <a:solidFill>
-                    <a:srgbClr val="FFFFFF"/>
-                  </a:solidFill>
-                </a:uFill>
-                <a:latin typeface="Arial"/>
-                <a:ea typeface="Calibri"/>
-              </a:rPr>
-              <a:t>Filtern</a:t>
-            </a:r>
-            <a:r>
-              <a:rPr lang="en-US" spc="-1" dirty="0">
-                <a:uFill>
-                  <a:solidFill>
-                    <a:srgbClr val="FFFFFF"/>
-                  </a:solidFill>
-                </a:uFill>
-                <a:latin typeface="Arial"/>
-                <a:ea typeface="Calibri"/>
-              </a:rPr>
-              <a:t> der Automobile </a:t>
-            </a:r>
-            <a:r>
-              <a:rPr lang="en-US" spc="-1" dirty="0" err="1">
-                <a:uFill>
-                  <a:solidFill>
-                    <a:srgbClr val="FFFFFF"/>
-                  </a:solidFill>
-                </a:uFill>
-                <a:latin typeface="Arial"/>
-                <a:ea typeface="Calibri"/>
-              </a:rPr>
-              <a:t>sollte</a:t>
-            </a:r>
-            <a:r>
-              <a:rPr lang="en-US" spc="-1" dirty="0">
-                <a:uFill>
-                  <a:solidFill>
-                    <a:srgbClr val="FFFFFF"/>
-                  </a:solidFill>
-                </a:uFill>
-                <a:latin typeface="Arial"/>
-                <a:ea typeface="Calibri"/>
-              </a:rPr>
-              <a:t> </a:t>
-            </a:r>
-            <a:r>
-              <a:rPr lang="en-US" spc="-1" dirty="0" err="1">
-                <a:uFill>
-                  <a:solidFill>
-                    <a:srgbClr val="FFFFFF"/>
-                  </a:solidFill>
-                </a:uFill>
-                <a:latin typeface="Arial"/>
-                <a:ea typeface="Calibri"/>
-              </a:rPr>
-              <a:t>möglich</a:t>
-            </a:r>
-            <a:r>
-              <a:rPr lang="en-US" spc="-1" dirty="0">
-                <a:uFill>
-                  <a:solidFill>
-                    <a:srgbClr val="FFFFFF"/>
-                  </a:solidFill>
-                </a:uFill>
-                <a:latin typeface="Arial"/>
-                <a:ea typeface="Calibri"/>
-              </a:rPr>
-              <a:t> </a:t>
-            </a:r>
-            <a:r>
-              <a:rPr lang="en-US" spc="-1" dirty="0" smtClean="0">
-                <a:uFill>
-                  <a:solidFill>
-                    <a:srgbClr val="FFFFFF"/>
-                  </a:solidFill>
-                </a:uFill>
-                <a:latin typeface="Arial"/>
-                <a:ea typeface="Calibri"/>
-              </a:rPr>
-              <a:t>sein</a:t>
-            </a:r>
-            <a:endParaRPr lang="de-DE" sz="2800" spc="-1" dirty="0">
-              <a:uFill>
-                <a:solidFill>
-                  <a:srgbClr val="FFFFFF"/>
-                </a:solidFill>
-              </a:uFill>
-              <a:latin typeface="Arial"/>
-            </a:endParaRPr>
-          </a:p>
-        </p:txBody>
-      </p:sp>
-      <p:sp>
-        <p:nvSpPr>
-          <p:cNvPr id="2" name="Title 1"/>
-          <p:cNvSpPr>
-            <a:spLocks noGrp="1"/>
-          </p:cNvSpPr>
-          <p:nvPr>
-            <p:ph type="title"/>
-          </p:nvPr>
-        </p:nvSpPr>
-        <p:spPr>
-          <a:xfrm>
-            <a:off x="457172" y="273352"/>
-            <a:ext cx="7787235" cy="2219544"/>
-          </a:xfrm>
-        </p:spPr>
-        <p:txBody>
-          <a:bodyPr/>
-          <a:lstStyle/>
-          <a:p>
-            <a:r>
-              <a:rPr lang="de-DE" sz="4400" spc="-1" dirty="0">
-                <a:uFill>
-                  <a:solidFill>
-                    <a:srgbClr val="FFFFFF"/>
-                  </a:solidFill>
-                </a:uFill>
-                <a:latin typeface="Arial"/>
-              </a:rPr>
-              <a:t>Ist-Zustand </a:t>
-            </a:r>
-            <a:r>
-              <a:rPr lang="de-DE" sz="4400" spc="-1" dirty="0" smtClean="0">
-                <a:uFill>
-                  <a:solidFill>
-                    <a:srgbClr val="FFFFFF"/>
-                  </a:solidFill>
-                </a:uFill>
-                <a:latin typeface="Arial"/>
-              </a:rPr>
-              <a:t>– </a:t>
-            </a:r>
-            <a:br>
-              <a:rPr lang="de-DE" sz="4400" spc="-1" dirty="0" smtClean="0">
-                <a:uFill>
-                  <a:solidFill>
-                    <a:srgbClr val="FFFFFF"/>
-                  </a:solidFill>
-                </a:uFill>
-                <a:latin typeface="Arial"/>
-              </a:rPr>
-            </a:br>
-            <a:r>
-              <a:rPr lang="en-US" sz="4400" spc="-1" dirty="0" smtClean="0">
-                <a:uFill>
-                  <a:solidFill>
-                    <a:srgbClr val="FFFFFF"/>
-                  </a:solidFill>
-                </a:uFill>
-                <a:latin typeface="Arial"/>
-                <a:ea typeface="Calibri"/>
-              </a:rPr>
-              <a:t>Welches </a:t>
-            </a:r>
-            <a:r>
-              <a:rPr lang="en-US" sz="4400" spc="-1" dirty="0">
-                <a:uFill>
-                  <a:solidFill>
-                    <a:srgbClr val="FFFFFF"/>
-                  </a:solidFill>
-                </a:uFill>
-                <a:latin typeface="Arial"/>
-                <a:ea typeface="Calibri"/>
-              </a:rPr>
-              <a:t>Problem </a:t>
-            </a:r>
-            <a:r>
-              <a:rPr lang="en-US" sz="4400" spc="-1" dirty="0" err="1">
-                <a:uFill>
-                  <a:solidFill>
-                    <a:srgbClr val="FFFFFF"/>
-                  </a:solidFill>
-                </a:uFill>
-                <a:latin typeface="Arial"/>
-                <a:ea typeface="Calibri"/>
-              </a:rPr>
-              <a:t>ist</a:t>
-            </a:r>
-            <a:r>
-              <a:rPr lang="en-US" sz="4400" spc="-1" dirty="0">
-                <a:uFill>
-                  <a:solidFill>
-                    <a:srgbClr val="FFFFFF"/>
-                  </a:solidFill>
-                </a:uFill>
-                <a:latin typeface="Arial"/>
-                <a:ea typeface="Calibri"/>
-              </a:rPr>
-              <a:t> </a:t>
-            </a:r>
-            <a:r>
-              <a:rPr lang="en-US" sz="4400" spc="-1" dirty="0" err="1">
-                <a:uFill>
-                  <a:solidFill>
-                    <a:srgbClr val="FFFFFF"/>
-                  </a:solidFill>
-                </a:uFill>
-                <a:latin typeface="Arial"/>
-                <a:ea typeface="Calibri"/>
-              </a:rPr>
-              <a:t>zu</a:t>
-            </a:r>
-            <a:r>
-              <a:rPr lang="en-US" sz="4400" spc="-1" dirty="0">
-                <a:uFill>
-                  <a:solidFill>
-                    <a:srgbClr val="FFFFFF"/>
-                  </a:solidFill>
-                </a:uFill>
-                <a:latin typeface="Arial"/>
-                <a:ea typeface="Calibri"/>
-              </a:rPr>
-              <a:t> </a:t>
-            </a:r>
-            <a:r>
-              <a:rPr lang="en-US" sz="4400" spc="-1" dirty="0" err="1">
-                <a:uFill>
-                  <a:solidFill>
-                    <a:srgbClr val="FFFFFF"/>
-                  </a:solidFill>
-                </a:uFill>
-                <a:latin typeface="Arial"/>
-                <a:ea typeface="Calibri"/>
-              </a:rPr>
-              <a:t>lösen</a:t>
-            </a:r>
-            <a:r>
-              <a:rPr lang="en-US" sz="4400" spc="-1" dirty="0">
-                <a:uFill>
-                  <a:solidFill>
-                    <a:srgbClr val="FFFFFF"/>
-                  </a:solidFill>
-                </a:uFill>
-                <a:latin typeface="Arial"/>
-                <a:ea typeface="Calibri"/>
-              </a:rPr>
-              <a:t>?</a:t>
-            </a:r>
-            <a:r>
-              <a:rPr lang="de-DE" sz="4400" spc="-1" dirty="0">
-                <a:uFill>
-                  <a:solidFill>
-                    <a:srgbClr val="FFFFFF"/>
-                  </a:solidFill>
-                </a:uFill>
-                <a:latin typeface="Arial"/>
-              </a:rPr>
-              <a:t/>
-            </a:r>
-            <a:br>
-              <a:rPr lang="de-DE" sz="4400" spc="-1" dirty="0">
-                <a:uFill>
-                  <a:solidFill>
-                    <a:srgbClr val="FFFFFF"/>
-                  </a:solidFill>
-                </a:uFill>
-                <a:latin typeface="Arial"/>
-              </a:rPr>
-            </a:br>
-            <a:endParaRPr lang="de-DE" dirty="0"/>
-          </a:p>
-        </p:txBody>
-      </p:sp>
-    </p:spTree>
-    <p:extLst>
-      <p:ext uri="{BB962C8B-B14F-4D97-AF65-F5344CB8AC3E}">
-        <p14:creationId xmlns:p14="http://schemas.microsoft.com/office/powerpoint/2010/main" val="1474814177"/>
-      </p:ext>
-    </p:extLst>
-  </p:cSld>
-  <p:clrMapOvr>
-    <a:masterClrMapping/>
-  </p:clrMapOvr>
-</p:sld>
-</file>
-
-<file path=ppt/slides/slide5.xml><?xml version="1.0" encoding="utf-8"?>
-<p:sld xmlns:a="http://schemas.openxmlformats.org/drawingml/2006/main" xmlns:r="http://schemas.openxmlformats.org/officeDocument/2006/relationships" xmlns:p="http://schemas.openxmlformats.org/presentationml/2006/main">
-  <p:cSld>
-    <p:spTree>
-      <p:nvGrpSpPr>
-        <p:cNvPr id="1" name=""/>
-        <p:cNvGrpSpPr/>
-        <p:nvPr/>
-      </p:nvGrpSpPr>
-      <p:grpSpPr>
-        <a:xfrm>
-          <a:off x="0" y="0"/>
-          <a:ext cx="0" cy="0"/>
-          <a:chOff x="0" y="0"/>
-          <a:chExt cx="0" cy="0"/>
-        </a:xfrm>
-      </p:grpSpPr>
-      <p:sp>
-        <p:nvSpPr>
           <p:cNvPr id="41" name="TextShape 1"/>
           <p:cNvSpPr txBox="1"/>
           <p:nvPr/>
@@ -10997,7 +9831,7 @@
 </p:sld>
 </file>
 
-<file path=ppt/slides/slide6.xml><?xml version="1.0" encoding="utf-8"?>
+<file path=ppt/slides/slide5.xml><?xml version="1.0" encoding="utf-8"?>
 <p:sld xmlns:a="http://schemas.openxmlformats.org/drawingml/2006/main" xmlns:r="http://schemas.openxmlformats.org/officeDocument/2006/relationships" xmlns:p="http://schemas.openxmlformats.org/presentationml/2006/main">
   <p:cSld>
     <p:spTree>
@@ -11102,6 +9936,532 @@
 </p:sld>
 </file>
 
+<file path=ppt/slides/slide6.xml><?xml version="1.0" encoding="utf-8"?>
+<p:sld xmlns:a="http://schemas.openxmlformats.org/drawingml/2006/main" xmlns:r="http://schemas.openxmlformats.org/officeDocument/2006/relationships" xmlns:p="http://schemas.openxmlformats.org/presentationml/2006/main">
+  <p:cSld>
+    <p:spTree>
+      <p:nvGrpSpPr>
+        <p:cNvPr id="1" name=""/>
+        <p:cNvGrpSpPr/>
+        <p:nvPr/>
+      </p:nvGrpSpPr>
+      <p:grpSpPr>
+        <a:xfrm>
+          <a:off x="0" y="0"/>
+          <a:ext cx="0" cy="0"/>
+          <a:chOff x="0" y="0"/>
+          <a:chExt cx="0" cy="0"/>
+        </a:xfrm>
+      </p:grpSpPr>
+      <p:sp>
+        <p:nvSpPr>
+          <p:cNvPr id="45" name="TextShape 1"/>
+          <p:cNvSpPr txBox="1"/>
+          <p:nvPr/>
+        </p:nvSpPr>
+        <p:spPr>
+          <a:xfrm>
+            <a:off x="457172" y="273684"/>
+            <a:ext cx="8228763" cy="1144888"/>
+          </a:xfrm>
+          <a:prstGeom prst="rect">
+            <a:avLst/>
+          </a:prstGeom>
+          <a:noFill/>
+          <a:ln>
+            <a:noFill/>
+          </a:ln>
+        </p:spPr>
+        <p:txBody>
+          <a:bodyPr lIns="0" tIns="0" rIns="0" bIns="0" anchor="ctr"/>
+          <a:lstStyle/>
+          <a:p>
+            <a:pPr algn="ctr"/>
+            <a:r>
+              <a:rPr lang="de-DE" sz="3628" spc="-1" dirty="0">
+                <a:solidFill>
+                  <a:srgbClr val="000000"/>
+                </a:solidFill>
+                <a:uFill>
+                  <a:solidFill>
+                    <a:srgbClr val="FFFFFF"/>
+                  </a:solidFill>
+                </a:uFill>
+                <a:latin typeface="Arial"/>
+              </a:rPr>
+              <a:t>Ist-Zustand - </a:t>
+            </a:r>
+            <a:r>
+              <a:rPr lang="en-US" sz="3628" spc="-1" dirty="0">
+                <a:solidFill>
+                  <a:srgbClr val="000000"/>
+                </a:solidFill>
+                <a:uFill>
+                  <a:solidFill>
+                    <a:srgbClr val="FFFFFF"/>
+                  </a:solidFill>
+                </a:uFill>
+                <a:latin typeface="Arial"/>
+                <a:ea typeface="Calibri"/>
+              </a:rPr>
+              <a:t>Was </a:t>
+            </a:r>
+            <a:r>
+              <a:rPr lang="en-US" sz="3628" spc="-1" dirty="0" err="1">
+                <a:solidFill>
+                  <a:srgbClr val="000000"/>
+                </a:solidFill>
+                <a:uFill>
+                  <a:solidFill>
+                    <a:srgbClr val="FFFFFF"/>
+                  </a:solidFill>
+                </a:uFill>
+                <a:latin typeface="Arial"/>
+                <a:ea typeface="Calibri"/>
+              </a:rPr>
+              <a:t>ist</a:t>
+            </a:r>
+            <a:r>
+              <a:rPr lang="en-US" sz="3628" spc="-1" dirty="0">
+                <a:solidFill>
+                  <a:srgbClr val="000000"/>
+                </a:solidFill>
+                <a:uFill>
+                  <a:solidFill>
+                    <a:srgbClr val="FFFFFF"/>
+                  </a:solidFill>
+                </a:uFill>
+                <a:latin typeface="Arial"/>
+                <a:ea typeface="Calibri"/>
+              </a:rPr>
+              <a:t> der </a:t>
+            </a:r>
+            <a:r>
+              <a:rPr lang="en-US" sz="3628" spc="-1" dirty="0" err="1">
+                <a:solidFill>
+                  <a:srgbClr val="000000"/>
+                </a:solidFill>
+                <a:uFill>
+                  <a:solidFill>
+                    <a:srgbClr val="FFFFFF"/>
+                  </a:solidFill>
+                </a:uFill>
+                <a:latin typeface="Arial"/>
+                <a:ea typeface="Calibri"/>
+              </a:rPr>
+              <a:t>genaue</a:t>
+            </a:r>
+            <a:r>
+              <a:rPr lang="en-US" sz="3628" spc="-1" dirty="0">
+                <a:solidFill>
+                  <a:srgbClr val="000000"/>
+                </a:solidFill>
+                <a:uFill>
+                  <a:solidFill>
+                    <a:srgbClr val="FFFFFF"/>
+                  </a:solidFill>
+                </a:uFill>
+                <a:latin typeface="Arial"/>
+                <a:ea typeface="Calibri"/>
+              </a:rPr>
+              <a:t> </a:t>
+            </a:r>
+            <a:r>
+              <a:rPr lang="en-US" sz="3628" spc="-1" dirty="0" err="1">
+                <a:solidFill>
+                  <a:srgbClr val="000000"/>
+                </a:solidFill>
+                <a:uFill>
+                  <a:solidFill>
+                    <a:srgbClr val="FFFFFF"/>
+                  </a:solidFill>
+                </a:uFill>
+                <a:latin typeface="Arial"/>
+                <a:ea typeface="Calibri"/>
+              </a:rPr>
+              <a:t>Zweck</a:t>
+            </a:r>
+            <a:r>
+              <a:rPr lang="en-US" sz="3628" spc="-1" dirty="0">
+                <a:solidFill>
+                  <a:srgbClr val="000000"/>
+                </a:solidFill>
+                <a:uFill>
+                  <a:solidFill>
+                    <a:srgbClr val="FFFFFF"/>
+                  </a:solidFill>
+                </a:uFill>
+                <a:latin typeface="Arial"/>
+                <a:ea typeface="Calibri"/>
+              </a:rPr>
+              <a:t> des </a:t>
+            </a:r>
+            <a:r>
+              <a:rPr lang="en-US" sz="3628" spc="-1" dirty="0" err="1">
+                <a:solidFill>
+                  <a:srgbClr val="000000"/>
+                </a:solidFill>
+                <a:uFill>
+                  <a:solidFill>
+                    <a:srgbClr val="FFFFFF"/>
+                  </a:solidFill>
+                </a:uFill>
+                <a:latin typeface="Arial"/>
+                <a:ea typeface="Calibri"/>
+              </a:rPr>
+              <a:t>Projekts</a:t>
+            </a:r>
+            <a:r>
+              <a:rPr lang="en-US" sz="3628" spc="-1" dirty="0">
+                <a:solidFill>
+                  <a:srgbClr val="000000"/>
+                </a:solidFill>
+                <a:uFill>
+                  <a:solidFill>
+                    <a:srgbClr val="FFFFFF"/>
+                  </a:solidFill>
+                </a:uFill>
+                <a:latin typeface="Arial"/>
+                <a:ea typeface="Calibri"/>
+              </a:rPr>
+              <a:t>?</a:t>
+            </a:r>
+            <a:endParaRPr lang="de-DE" sz="3991" spc="-1" dirty="0">
+              <a:solidFill>
+                <a:srgbClr val="000000"/>
+              </a:solidFill>
+              <a:uFill>
+                <a:solidFill>
+                  <a:srgbClr val="FFFFFF"/>
+                </a:solidFill>
+              </a:uFill>
+              <a:latin typeface="Arial"/>
+            </a:endParaRPr>
+          </a:p>
+        </p:txBody>
+      </p:sp>
+      <p:sp>
+        <p:nvSpPr>
+          <p:cNvPr id="46" name="TextShape 2"/>
+          <p:cNvSpPr txBox="1"/>
+          <p:nvPr/>
+        </p:nvSpPr>
+        <p:spPr>
+          <a:xfrm>
+            <a:off x="457172" y="1605033"/>
+            <a:ext cx="8228763" cy="4525673"/>
+          </a:xfrm>
+          <a:prstGeom prst="rect">
+            <a:avLst/>
+          </a:prstGeom>
+          <a:noFill/>
+          <a:ln>
+            <a:noFill/>
+          </a:ln>
+        </p:spPr>
+        <p:txBody>
+          <a:bodyPr lIns="0" tIns="0" rIns="0" bIns="0" anchor="ctr"/>
+          <a:lstStyle/>
+          <a:p>
+            <a:pPr marL="440867" indent="-342900">
+              <a:buClr>
+                <a:srgbClr val="000000"/>
+              </a:buClr>
+              <a:buSzPct val="45000"/>
+              <a:buFont typeface="Arial" panose="020B0604020202020204" pitchFamily="34" charset="0"/>
+              <a:buChar char="•"/>
+            </a:pPr>
+            <a:r>
+              <a:rPr lang="de-DE" sz="2268" spc="-1" dirty="0" smtClean="0">
+                <a:uFill>
+                  <a:solidFill>
+                    <a:srgbClr val="FFFFFF"/>
+                  </a:solidFill>
+                </a:uFill>
+                <a:latin typeface="Arial"/>
+              </a:rPr>
+              <a:t>Käufer </a:t>
+            </a:r>
+            <a:r>
+              <a:rPr lang="de-DE" sz="2268" spc="-1" dirty="0">
+                <a:uFill>
+                  <a:solidFill>
+                    <a:srgbClr val="FFFFFF"/>
+                  </a:solidFill>
+                </a:uFill>
+                <a:latin typeface="Arial"/>
+              </a:rPr>
+              <a:t>oder Verkäufer werden durch die Komplexität der Plattformen abgeschreckt</a:t>
+            </a:r>
+            <a:endParaRPr lang="de-DE" sz="2903" spc="-1" dirty="0">
+              <a:uFill>
+                <a:solidFill>
+                  <a:srgbClr val="FFFFFF"/>
+                </a:solidFill>
+              </a:uFill>
+              <a:latin typeface="Arial"/>
+            </a:endParaRPr>
+          </a:p>
+          <a:p>
+            <a:pPr marL="391867" indent="-293900">
+              <a:buClr>
+                <a:srgbClr val="000000"/>
+              </a:buClr>
+              <a:buSzPct val="45000"/>
+              <a:buFont typeface="Wingdings" charset="2"/>
+              <a:buChar char=""/>
+            </a:pPr>
+            <a:r>
+              <a:rPr lang="de-DE" sz="2268" spc="-1" dirty="0">
+                <a:uFill>
+                  <a:solidFill>
+                    <a:srgbClr val="FFFFFF"/>
+                  </a:solidFill>
+                </a:uFill>
+                <a:latin typeface="Arial"/>
+              </a:rPr>
+              <a:t> Es </a:t>
+            </a:r>
+            <a:r>
+              <a:rPr lang="en-US" sz="2268" spc="-1" dirty="0" err="1">
+                <a:uFill>
+                  <a:solidFill>
+                    <a:srgbClr val="FFFFFF"/>
+                  </a:solidFill>
+                </a:uFill>
+                <a:latin typeface="Arial"/>
+                <a:ea typeface="Calibri"/>
+              </a:rPr>
+              <a:t>fehlt</a:t>
+            </a:r>
+            <a:r>
+              <a:rPr lang="en-US" sz="2268" spc="-1" dirty="0">
+                <a:uFill>
+                  <a:solidFill>
+                    <a:srgbClr val="FFFFFF"/>
+                  </a:solidFill>
+                </a:uFill>
+                <a:latin typeface="Arial"/>
+                <a:ea typeface="Calibri"/>
+              </a:rPr>
+              <a:t> den </a:t>
+            </a:r>
+            <a:r>
+              <a:rPr lang="en-US" sz="2268" spc="-1" dirty="0" err="1">
+                <a:uFill>
+                  <a:solidFill>
+                    <a:srgbClr val="FFFFFF"/>
+                  </a:solidFill>
+                </a:uFill>
+                <a:latin typeface="Arial"/>
+                <a:ea typeface="Calibri"/>
+              </a:rPr>
+              <a:t>bisherigen</a:t>
+            </a:r>
+            <a:r>
+              <a:rPr lang="en-US" sz="2268" spc="-1" dirty="0">
+                <a:uFill>
+                  <a:solidFill>
+                    <a:srgbClr val="FFFFFF"/>
+                  </a:solidFill>
+                </a:uFill>
+                <a:latin typeface="Arial"/>
+                <a:ea typeface="Calibri"/>
+              </a:rPr>
+              <a:t> </a:t>
+            </a:r>
+            <a:r>
+              <a:rPr lang="en-US" sz="2268" spc="-1" dirty="0" err="1">
+                <a:uFill>
+                  <a:solidFill>
+                    <a:srgbClr val="FFFFFF"/>
+                  </a:solidFill>
+                </a:uFill>
+                <a:latin typeface="Arial"/>
+                <a:ea typeface="Calibri"/>
+              </a:rPr>
+              <a:t>Plattformen</a:t>
+            </a:r>
+            <a:r>
+              <a:rPr lang="en-US" sz="2268" spc="-1" dirty="0">
+                <a:uFill>
+                  <a:solidFill>
+                    <a:srgbClr val="FFFFFF"/>
+                  </a:solidFill>
+                </a:uFill>
+                <a:latin typeface="Arial"/>
+                <a:ea typeface="Calibri"/>
+              </a:rPr>
+              <a:t> </a:t>
+            </a:r>
+            <a:r>
+              <a:rPr lang="en-US" sz="2268" spc="-1" dirty="0" err="1">
+                <a:uFill>
+                  <a:solidFill>
+                    <a:srgbClr val="FFFFFF"/>
+                  </a:solidFill>
+                </a:uFill>
+                <a:latin typeface="Arial"/>
+                <a:ea typeface="Calibri"/>
+              </a:rPr>
+              <a:t>ein</a:t>
+            </a:r>
+            <a:r>
+              <a:rPr lang="en-US" sz="2268" spc="-1" dirty="0">
+                <a:uFill>
+                  <a:solidFill>
+                    <a:srgbClr val="FFFFFF"/>
+                  </a:solidFill>
+                </a:uFill>
+                <a:latin typeface="Arial"/>
+                <a:ea typeface="Calibri"/>
+              </a:rPr>
+              <a:t> </a:t>
+            </a:r>
+            <a:r>
+              <a:rPr lang="en-US" sz="2268" spc="-1" dirty="0" err="1">
+                <a:uFill>
+                  <a:solidFill>
+                    <a:srgbClr val="FFFFFF"/>
+                  </a:solidFill>
+                </a:uFill>
+                <a:latin typeface="Arial"/>
+                <a:ea typeface="Calibri"/>
+              </a:rPr>
+              <a:t>intuitives</a:t>
+            </a:r>
+            <a:r>
+              <a:rPr lang="en-US" sz="2268" spc="-1" dirty="0">
+                <a:uFill>
+                  <a:solidFill>
+                    <a:srgbClr val="FFFFFF"/>
+                  </a:solidFill>
+                </a:uFill>
+                <a:latin typeface="Arial"/>
+                <a:ea typeface="Calibri"/>
+              </a:rPr>
+              <a:t> System </a:t>
+            </a:r>
+            <a:r>
+              <a:rPr lang="en-US" sz="2268" spc="-1" dirty="0" err="1">
+                <a:uFill>
+                  <a:solidFill>
+                    <a:srgbClr val="FFFFFF"/>
+                  </a:solidFill>
+                </a:uFill>
+                <a:latin typeface="Arial"/>
+                <a:ea typeface="Calibri"/>
+              </a:rPr>
+              <a:t>zum</a:t>
+            </a:r>
+            <a:r>
+              <a:rPr lang="en-US" sz="2268" spc="-1" dirty="0">
+                <a:uFill>
+                  <a:solidFill>
+                    <a:srgbClr val="FFFFFF"/>
+                  </a:solidFill>
+                </a:uFill>
+                <a:latin typeface="Arial"/>
+                <a:ea typeface="Calibri"/>
+              </a:rPr>
+              <a:t> </a:t>
+            </a:r>
+            <a:r>
+              <a:rPr lang="en-US" sz="2268" spc="-1" dirty="0" err="1">
+                <a:uFill>
+                  <a:solidFill>
+                    <a:srgbClr val="FFFFFF"/>
+                  </a:solidFill>
+                </a:uFill>
+                <a:latin typeface="Arial"/>
+                <a:ea typeface="Calibri"/>
+              </a:rPr>
+              <a:t>Vergleichen</a:t>
+            </a:r>
+            <a:r>
+              <a:rPr lang="en-US" sz="2268" spc="-1" dirty="0">
+                <a:uFill>
+                  <a:solidFill>
+                    <a:srgbClr val="FFFFFF"/>
+                  </a:solidFill>
+                </a:uFill>
+                <a:latin typeface="Arial"/>
+                <a:ea typeface="Calibri"/>
+              </a:rPr>
+              <a:t> </a:t>
+            </a:r>
+            <a:r>
+              <a:rPr lang="en-US" sz="2268" spc="-1" dirty="0" err="1">
+                <a:uFill>
+                  <a:solidFill>
+                    <a:srgbClr val="FFFFFF"/>
+                  </a:solidFill>
+                </a:uFill>
+                <a:latin typeface="Arial"/>
+                <a:ea typeface="Calibri"/>
+              </a:rPr>
+              <a:t>verschiedener</a:t>
+            </a:r>
+            <a:r>
+              <a:rPr lang="en-US" sz="2268" spc="-1" dirty="0">
+                <a:uFill>
+                  <a:solidFill>
+                    <a:srgbClr val="FFFFFF"/>
+                  </a:solidFill>
+                </a:uFill>
+                <a:latin typeface="Arial"/>
+                <a:ea typeface="Calibri"/>
+              </a:rPr>
+              <a:t> </a:t>
+            </a:r>
+            <a:r>
+              <a:rPr lang="en-US" sz="2268" spc="-1" dirty="0" err="1">
+                <a:uFill>
+                  <a:solidFill>
+                    <a:srgbClr val="FFFFFF"/>
+                  </a:solidFill>
+                </a:uFill>
+                <a:latin typeface="Arial"/>
+                <a:ea typeface="Calibri"/>
+              </a:rPr>
+              <a:t>Angebote</a:t>
+            </a:r>
+            <a:r>
+              <a:rPr lang="en-US" sz="2268" spc="-1" dirty="0">
+                <a:uFill>
+                  <a:solidFill>
+                    <a:srgbClr val="FFFFFF"/>
+                  </a:solidFill>
+                </a:uFill>
+                <a:latin typeface="Arial"/>
+                <a:ea typeface="Calibri"/>
+              </a:rPr>
+              <a:t>.</a:t>
+            </a:r>
+            <a:endParaRPr lang="de-DE" sz="2903" spc="-1" dirty="0">
+              <a:uFill>
+                <a:solidFill>
+                  <a:srgbClr val="FFFFFF"/>
+                </a:solidFill>
+              </a:uFill>
+              <a:latin typeface="Arial"/>
+            </a:endParaRPr>
+          </a:p>
+        </p:txBody>
+      </p:sp>
+    </p:spTree>
+    <p:extLst>
+      <p:ext uri="{BB962C8B-B14F-4D97-AF65-F5344CB8AC3E}">
+        <p14:creationId xmlns:p14="http://schemas.microsoft.com/office/powerpoint/2010/main" val="414396158"/>
+      </p:ext>
+    </p:extLst>
+  </p:cSld>
+  <p:clrMapOvr>
+    <a:masterClrMapping/>
+  </p:clrMapOvr>
+</p:sld>
+</file>
+
 <file path=ppt/slides/slide7.xml><?xml version="1.0" encoding="utf-8"?>
 <p:sld xmlns:a="http://schemas.openxmlformats.org/drawingml/2006/main" xmlns:r="http://schemas.openxmlformats.org/officeDocument/2006/relationships" xmlns:p="http://schemas.openxmlformats.org/presentationml/2006/main">
   <p:cSld>
@@ -11121,445 +10481,179 @@
       </p:grpSpPr>
       <p:sp>
         <p:nvSpPr>
-          <p:cNvPr id="45" name="TextShape 1"/>
-          <p:cNvSpPr txBox="1"/>
-          <p:nvPr/>
-        </p:nvSpPr>
-        <p:spPr>
-          <a:xfrm>
-            <a:off x="457172" y="273684"/>
-            <a:ext cx="8228763" cy="1144888"/>
-          </a:xfrm>
-          <a:prstGeom prst="rect">
-            <a:avLst/>
-          </a:prstGeom>
-          <a:noFill/>
-          <a:ln>
-            <a:noFill/>
-          </a:ln>
-        </p:spPr>
-        <p:txBody>
-          <a:bodyPr lIns="0" tIns="0" rIns="0" bIns="0" anchor="ctr"/>
+          <p:cNvPr id="2" name="Titel 1">
+            <a:extLst>
+              <a:ext uri="{FF2B5EF4-FFF2-40B4-BE49-F238E27FC236}">
+                <a16:creationId xmlns:a16="http://schemas.microsoft.com/office/drawing/2014/main" id="{ABAAAA0B-7143-4F5F-9DBD-C36353BABADA}"/>
+              </a:ext>
+            </a:extLst>
+          </p:cNvPr>
+          <p:cNvSpPr>
+            <a:spLocks noGrp="1"/>
+          </p:cNvSpPr>
+          <p:nvPr>
+            <p:ph type="title"/>
+          </p:nvPr>
+        </p:nvSpPr>
+        <p:spPr/>
+        <p:txBody>
+          <a:bodyPr/>
           <a:lstStyle/>
           <a:p>
-            <a:pPr algn="ctr"/>
-            <a:r>
-              <a:rPr lang="de-DE" sz="3628" spc="-1">
-                <a:solidFill>
-                  <a:srgbClr val="000000"/>
-                </a:solidFill>
-                <a:uFill>
-                  <a:solidFill>
-                    <a:srgbClr val="FFFFFF"/>
-                  </a:solidFill>
-                </a:uFill>
-                <a:latin typeface="Arial"/>
-              </a:rPr>
-              <a:t>Ist-Zustand - </a:t>
-            </a:r>
-            <a:r>
-              <a:rPr lang="en-US" sz="3628" spc="-1">
-                <a:solidFill>
-                  <a:srgbClr val="000000"/>
-                </a:solidFill>
-                <a:uFill>
-                  <a:solidFill>
-                    <a:srgbClr val="FFFFFF"/>
-                  </a:solidFill>
-                </a:uFill>
-                <a:latin typeface="Arial"/>
-                <a:ea typeface="Calibri"/>
-              </a:rPr>
-              <a:t>Was ist der genaue Zweck des Projekts?</a:t>
-            </a:r>
-            <a:endParaRPr lang="de-DE" sz="3991" spc="-1">
+            <a:r>
+              <a:rPr lang="de-DE" sz="2000" b="0" dirty="0">
+                <a:solidFill>
+                  <a:schemeClr val="tx1"/>
+                </a:solidFill>
+                <a:effectLst/>
+                <a:latin typeface="Arial" panose="020B0604020202020204" pitchFamily="34" charset="0"/>
+                <a:cs typeface="Arial" panose="020B0604020202020204" pitchFamily="34" charset="0"/>
+              </a:rPr>
+              <a:t>Soll Konzept</a:t>
+            </a:r>
+          </a:p>
+        </p:txBody>
+      </p:sp>
+      <p:sp>
+        <p:nvSpPr>
+          <p:cNvPr id="3" name="Inhaltsplatzhalter 2">
+            <a:extLst>
+              <a:ext uri="{FF2B5EF4-FFF2-40B4-BE49-F238E27FC236}">
+                <a16:creationId xmlns:a16="http://schemas.microsoft.com/office/drawing/2014/main" id="{E2D513F0-BA78-4AA8-B3AB-FCC3AAD1140F}"/>
+              </a:ext>
+            </a:extLst>
+          </p:cNvPr>
+          <p:cNvSpPr>
+            <a:spLocks noGrp="1"/>
+          </p:cNvSpPr>
+          <p:nvPr>
+            <p:ph idx="1"/>
+          </p:nvPr>
+        </p:nvSpPr>
+        <p:spPr/>
+        <p:txBody>
+          <a:bodyPr vert="horz" lIns="68580" tIns="34290" rIns="68580" bIns="34290" rtlCol="0" anchor="t">
+            <a:normAutofit/>
+          </a:bodyPr>
+          <a:lstStyle/>
+          <a:p>
+            <a:r>
+              <a:rPr lang="de-DE" sz="2000" b="0" dirty="0">
+                <a:solidFill>
+                  <a:schemeClr val="tx1"/>
+                </a:solidFill>
+                <a:effectLst/>
+                <a:latin typeface="Arial" panose="020B0604020202020204" pitchFamily="34" charset="0"/>
+                <a:cs typeface="Arial" panose="020B0604020202020204" pitchFamily="34" charset="0"/>
+              </a:rPr>
+              <a:t>Eine Website, die sich durch intuitive Bedienung auszeichnet</a:t>
+            </a:r>
+          </a:p>
+          <a:p>
+            <a:r>
+              <a:rPr lang="de-DE" sz="2000" b="0" dirty="0">
+                <a:solidFill>
+                  <a:schemeClr val="tx1"/>
+                </a:solidFill>
+                <a:effectLst/>
+                <a:latin typeface="Arial" panose="020B0604020202020204" pitchFamily="34" charset="0"/>
+                <a:cs typeface="Arial" panose="020B0604020202020204" pitchFamily="34" charset="0"/>
+              </a:rPr>
+              <a:t>Einfache Angebotserstellung, für Händler und Privatpersonen</a:t>
+            </a:r>
+          </a:p>
+          <a:p>
+            <a:r>
+              <a:rPr lang="de-DE" sz="2000" b="0" dirty="0">
+                <a:solidFill>
+                  <a:schemeClr val="tx1"/>
+                </a:solidFill>
+                <a:effectLst/>
+                <a:latin typeface="Arial" panose="020B0604020202020204" pitchFamily="34" charset="0"/>
+                <a:cs typeface="Arial" panose="020B0604020202020204" pitchFamily="34" charset="0"/>
+              </a:rPr>
+              <a:t>Simpel strukturierte Benutzeroberfläche mit Suche </a:t>
+            </a:r>
+          </a:p>
+          <a:p>
+            <a:r>
+              <a:rPr lang="de-DE" sz="2000" b="0" dirty="0">
+                <a:solidFill>
+                  <a:schemeClr val="tx1"/>
+                </a:solidFill>
+                <a:effectLst/>
+                <a:latin typeface="Arial" panose="020B0604020202020204" pitchFamily="34" charset="0"/>
+                <a:cs typeface="Arial" panose="020B0604020202020204" pitchFamily="34" charset="0"/>
+              </a:rPr>
+              <a:t>Übersichtsliste mit grundsätzlichen Infos</a:t>
+            </a:r>
+          </a:p>
+          <a:p>
+            <a:r>
+              <a:rPr lang="de-DE" sz="2000" b="0" dirty="0" err="1">
+                <a:solidFill>
+                  <a:schemeClr val="tx1"/>
+                </a:solidFill>
+                <a:effectLst/>
+                <a:latin typeface="Arial" panose="020B0604020202020204" pitchFamily="34" charset="0"/>
+                <a:cs typeface="Arial" panose="020B0604020202020204" pitchFamily="34" charset="0"/>
+              </a:rPr>
+              <a:t>Seperate</a:t>
+            </a:r>
+            <a:r>
+              <a:rPr lang="de-DE" sz="2000" b="0" dirty="0">
+                <a:solidFill>
+                  <a:schemeClr val="tx1"/>
+                </a:solidFill>
+                <a:effectLst/>
+                <a:latin typeface="Arial" panose="020B0604020202020204" pitchFamily="34" charset="0"/>
+                <a:cs typeface="Arial" panose="020B0604020202020204" pitchFamily="34" charset="0"/>
+              </a:rPr>
+              <a:t> Seite mit mehr Details zum Artikel</a:t>
+            </a:r>
+          </a:p>
+          <a:p>
+            <a:r>
+              <a:rPr lang="de-DE" sz="2000" b="0" dirty="0">
+                <a:solidFill>
+                  <a:schemeClr val="tx1"/>
+                </a:solidFill>
+                <a:effectLst/>
+                <a:latin typeface="Arial" panose="020B0604020202020204" pitchFamily="34" charset="0"/>
+                <a:cs typeface="Arial" panose="020B0604020202020204" pitchFamily="34" charset="0"/>
+              </a:rPr>
+              <a:t>Größere Bildanzahl für </a:t>
+            </a:r>
+            <a:r>
+              <a:rPr lang="de-DE" sz="2000" b="0" dirty="0" err="1">
+                <a:solidFill>
+                  <a:schemeClr val="tx1"/>
+                </a:solidFill>
+                <a:effectLst/>
+                <a:latin typeface="Arial" panose="020B0604020202020204" pitchFamily="34" charset="0"/>
+                <a:cs typeface="Arial" panose="020B0604020202020204" pitchFamily="34" charset="0"/>
+              </a:rPr>
+              <a:t>Premiumaccounts</a:t>
+            </a:r>
+          </a:p>
+          <a:p>
+            <a:endParaRPr lang="de-DE" sz="2000" b="0" dirty="0">
               <a:solidFill>
-                <a:srgbClr val="000000"/>
+                <a:schemeClr val="tx1"/>
               </a:solidFill>
-              <a:uFill>
-                <a:solidFill>
-                  <a:srgbClr val="FFFFFF"/>
-                </a:solidFill>
-              </a:uFill>
-              <a:latin typeface="Arial"/>
+              <a:effectLst/>
+              <a:latin typeface="Arial" panose="020B0604020202020204" pitchFamily="34" charset="0"/>
+              <a:cs typeface="Arial" panose="020B0604020202020204" pitchFamily="34" charset="0"/>
             </a:endParaRPr>
           </a:p>
-        </p:txBody>
-      </p:sp>
-      <p:sp>
-        <p:nvSpPr>
-          <p:cNvPr id="46" name="TextShape 2"/>
-          <p:cNvSpPr txBox="1"/>
-          <p:nvPr/>
-        </p:nvSpPr>
-        <p:spPr>
-          <a:xfrm>
-            <a:off x="457172" y="1605033"/>
-            <a:ext cx="8228763" cy="4525673"/>
-          </a:xfrm>
-          <a:prstGeom prst="rect">
-            <a:avLst/>
-          </a:prstGeom>
-          <a:noFill/>
-          <a:ln>
-            <a:noFill/>
-          </a:ln>
-        </p:spPr>
-        <p:txBody>
-          <a:bodyPr lIns="0" tIns="0" rIns="0" bIns="0" anchor="ctr"/>
-          <a:lstStyle/>
-          <a:p>
-            <a:pPr marL="440867" indent="-342900">
-              <a:buClr>
-                <a:srgbClr val="000000"/>
-              </a:buClr>
-              <a:buSzPct val="45000"/>
-              <a:buFont typeface="Arial" panose="020B0604020202020204" pitchFamily="34" charset="0"/>
-              <a:buChar char="•"/>
-            </a:pPr>
-            <a:r>
-              <a:rPr lang="de-DE" sz="2268" spc="-1" dirty="0" smtClean="0">
-                <a:solidFill>
-                  <a:srgbClr val="000000"/>
-                </a:solidFill>
-                <a:uFill>
-                  <a:solidFill>
-                    <a:srgbClr val="FFFFFF"/>
-                  </a:solidFill>
-                </a:uFill>
-                <a:latin typeface="Arial"/>
-              </a:rPr>
-              <a:t>Käufer </a:t>
-            </a:r>
-            <a:r>
-              <a:rPr lang="de-DE" sz="2268" spc="-1" dirty="0">
-                <a:solidFill>
-                  <a:srgbClr val="000000"/>
-                </a:solidFill>
-                <a:uFill>
-                  <a:solidFill>
-                    <a:srgbClr val="FFFFFF"/>
-                  </a:solidFill>
-                </a:uFill>
-                <a:latin typeface="Arial"/>
-              </a:rPr>
-              <a:t>oder Verkäufer werden durch die Komplexität der Plattformen abgeschreckt</a:t>
-            </a:r>
-            <a:endParaRPr lang="de-DE" sz="2903" spc="-1" dirty="0">
+          <a:p>
+            <a:endParaRPr lang="de-DE" sz="2000" b="0" dirty="0">
               <a:solidFill>
-                <a:srgbClr val="000000"/>
+                <a:schemeClr val="tx1"/>
               </a:solidFill>
-              <a:uFill>
-                <a:solidFill>
-                  <a:srgbClr val="FFFFFF"/>
-                </a:solidFill>
-              </a:uFill>
-              <a:latin typeface="Arial"/>
-            </a:endParaRPr>
-          </a:p>
-          <a:p>
-            <a:pPr marL="391867" indent="-293900">
-              <a:buClr>
-                <a:srgbClr val="000000"/>
-              </a:buClr>
-              <a:buSzPct val="45000"/>
-              <a:buFont typeface="Wingdings" charset="2"/>
-              <a:buChar char=""/>
-            </a:pPr>
-            <a:r>
-              <a:rPr lang="de-DE" sz="2268" spc="-1" dirty="0">
-                <a:solidFill>
-                  <a:srgbClr val="000000"/>
-                </a:solidFill>
-                <a:uFill>
-                  <a:solidFill>
-                    <a:srgbClr val="FFFFFF"/>
-                  </a:solidFill>
-                </a:uFill>
-                <a:latin typeface="Arial"/>
-              </a:rPr>
-              <a:t> Es </a:t>
-            </a:r>
-            <a:r>
-              <a:rPr lang="en-US" sz="2268" spc="-1" dirty="0" err="1">
-                <a:solidFill>
-                  <a:srgbClr val="000000"/>
-                </a:solidFill>
-                <a:uFill>
-                  <a:solidFill>
-                    <a:srgbClr val="FFFFFF"/>
-                  </a:solidFill>
-                </a:uFill>
-                <a:latin typeface="Arial"/>
-                <a:ea typeface="Calibri"/>
-              </a:rPr>
-              <a:t>fehlt</a:t>
-            </a:r>
-            <a:r>
-              <a:rPr lang="en-US" sz="2268" spc="-1" dirty="0">
-                <a:solidFill>
-                  <a:srgbClr val="000000"/>
-                </a:solidFill>
-                <a:uFill>
-                  <a:solidFill>
-                    <a:srgbClr val="FFFFFF"/>
-                  </a:solidFill>
-                </a:uFill>
-                <a:latin typeface="Arial"/>
-                <a:ea typeface="Calibri"/>
-              </a:rPr>
-              <a:t> den </a:t>
-            </a:r>
-            <a:r>
-              <a:rPr lang="en-US" sz="2268" spc="-1" dirty="0" err="1">
-                <a:solidFill>
-                  <a:srgbClr val="000000"/>
-                </a:solidFill>
-                <a:uFill>
-                  <a:solidFill>
-                    <a:srgbClr val="FFFFFF"/>
-                  </a:solidFill>
-                </a:uFill>
-                <a:latin typeface="Arial"/>
-                <a:ea typeface="Calibri"/>
-              </a:rPr>
-              <a:t>bisherigen</a:t>
-            </a:r>
-            <a:r>
-              <a:rPr lang="en-US" sz="2268" spc="-1" dirty="0">
-                <a:solidFill>
-                  <a:srgbClr val="000000"/>
-                </a:solidFill>
-                <a:uFill>
-                  <a:solidFill>
-                    <a:srgbClr val="FFFFFF"/>
-                  </a:solidFill>
-                </a:uFill>
-                <a:latin typeface="Arial"/>
-                <a:ea typeface="Calibri"/>
-              </a:rPr>
-              <a:t> </a:t>
-            </a:r>
-            <a:r>
-              <a:rPr lang="en-US" sz="2268" spc="-1" dirty="0" err="1">
-                <a:solidFill>
-                  <a:srgbClr val="000000"/>
-                </a:solidFill>
-                <a:uFill>
-                  <a:solidFill>
-                    <a:srgbClr val="FFFFFF"/>
-                  </a:solidFill>
-                </a:uFill>
-                <a:latin typeface="Arial"/>
-                <a:ea typeface="Calibri"/>
-              </a:rPr>
-              <a:t>Plattformen</a:t>
-            </a:r>
-            <a:r>
-              <a:rPr lang="en-US" sz="2268" spc="-1" dirty="0">
-                <a:solidFill>
-                  <a:srgbClr val="000000"/>
-                </a:solidFill>
-                <a:uFill>
-                  <a:solidFill>
-                    <a:srgbClr val="FFFFFF"/>
-                  </a:solidFill>
-                </a:uFill>
-                <a:latin typeface="Arial"/>
-                <a:ea typeface="Calibri"/>
-              </a:rPr>
-              <a:t> </a:t>
-            </a:r>
-            <a:r>
-              <a:rPr lang="en-US" sz="2268" spc="-1" dirty="0" err="1">
-                <a:solidFill>
-                  <a:srgbClr val="000000"/>
-                </a:solidFill>
-                <a:uFill>
-                  <a:solidFill>
-                    <a:srgbClr val="FFFFFF"/>
-                  </a:solidFill>
-                </a:uFill>
-                <a:latin typeface="Arial"/>
-                <a:ea typeface="Calibri"/>
-              </a:rPr>
-              <a:t>ein</a:t>
-            </a:r>
-            <a:r>
-              <a:rPr lang="en-US" sz="2268" spc="-1" dirty="0">
-                <a:solidFill>
-                  <a:srgbClr val="000000"/>
-                </a:solidFill>
-                <a:uFill>
-                  <a:solidFill>
-                    <a:srgbClr val="FFFFFF"/>
-                  </a:solidFill>
-                </a:uFill>
-                <a:latin typeface="Arial"/>
-                <a:ea typeface="Calibri"/>
-              </a:rPr>
-              <a:t> </a:t>
-            </a:r>
-            <a:r>
-              <a:rPr lang="en-US" sz="2268" spc="-1" dirty="0" err="1">
-                <a:solidFill>
-                  <a:srgbClr val="000000"/>
-                </a:solidFill>
-                <a:uFill>
-                  <a:solidFill>
-                    <a:srgbClr val="FFFFFF"/>
-                  </a:solidFill>
-                </a:uFill>
-                <a:latin typeface="Arial"/>
-                <a:ea typeface="Calibri"/>
-              </a:rPr>
-              <a:t>intuitives</a:t>
-            </a:r>
-            <a:r>
-              <a:rPr lang="en-US" sz="2268" spc="-1" dirty="0">
-                <a:solidFill>
-                  <a:srgbClr val="000000"/>
-                </a:solidFill>
-                <a:uFill>
-                  <a:solidFill>
-                    <a:srgbClr val="FFFFFF"/>
-                  </a:solidFill>
-                </a:uFill>
-                <a:latin typeface="Arial"/>
-                <a:ea typeface="Calibri"/>
-              </a:rPr>
-              <a:t> System </a:t>
-            </a:r>
-            <a:r>
-              <a:rPr lang="en-US" sz="2268" spc="-1" dirty="0" err="1">
-                <a:solidFill>
-                  <a:srgbClr val="000000"/>
-                </a:solidFill>
-                <a:uFill>
-                  <a:solidFill>
-                    <a:srgbClr val="FFFFFF"/>
-                  </a:solidFill>
-                </a:uFill>
-                <a:latin typeface="Arial"/>
-                <a:ea typeface="Calibri"/>
-              </a:rPr>
-              <a:t>zum</a:t>
-            </a:r>
-            <a:r>
-              <a:rPr lang="en-US" sz="2268" spc="-1" dirty="0">
-                <a:solidFill>
-                  <a:srgbClr val="000000"/>
-                </a:solidFill>
-                <a:uFill>
-                  <a:solidFill>
-                    <a:srgbClr val="FFFFFF"/>
-                  </a:solidFill>
-                </a:uFill>
-                <a:latin typeface="Arial"/>
-                <a:ea typeface="Calibri"/>
-              </a:rPr>
-              <a:t> </a:t>
-            </a:r>
-            <a:r>
-              <a:rPr lang="en-US" sz="2268" spc="-1" dirty="0" err="1">
-                <a:solidFill>
-                  <a:srgbClr val="000000"/>
-                </a:solidFill>
-                <a:uFill>
-                  <a:solidFill>
-                    <a:srgbClr val="FFFFFF"/>
-                  </a:solidFill>
-                </a:uFill>
-                <a:latin typeface="Arial"/>
-                <a:ea typeface="Calibri"/>
-              </a:rPr>
-              <a:t>Vergleichen</a:t>
-            </a:r>
-            <a:r>
-              <a:rPr lang="en-US" sz="2268" spc="-1" dirty="0">
-                <a:solidFill>
-                  <a:srgbClr val="000000"/>
-                </a:solidFill>
-                <a:uFill>
-                  <a:solidFill>
-                    <a:srgbClr val="FFFFFF"/>
-                  </a:solidFill>
-                </a:uFill>
-                <a:latin typeface="Arial"/>
-                <a:ea typeface="Calibri"/>
-              </a:rPr>
-              <a:t> </a:t>
-            </a:r>
-            <a:r>
-              <a:rPr lang="en-US" sz="2268" spc="-1" dirty="0" err="1">
-                <a:solidFill>
-                  <a:srgbClr val="000000"/>
-                </a:solidFill>
-                <a:uFill>
-                  <a:solidFill>
-                    <a:srgbClr val="FFFFFF"/>
-                  </a:solidFill>
-                </a:uFill>
-                <a:latin typeface="Arial"/>
-                <a:ea typeface="Calibri"/>
-              </a:rPr>
-              <a:t>verschiedener</a:t>
-            </a:r>
-            <a:r>
-              <a:rPr lang="en-US" sz="2268" spc="-1" dirty="0">
-                <a:solidFill>
-                  <a:srgbClr val="000000"/>
-                </a:solidFill>
-                <a:uFill>
-                  <a:solidFill>
-                    <a:srgbClr val="FFFFFF"/>
-                  </a:solidFill>
-                </a:uFill>
-                <a:latin typeface="Arial"/>
-                <a:ea typeface="Calibri"/>
-              </a:rPr>
-              <a:t> </a:t>
-            </a:r>
-            <a:r>
-              <a:rPr lang="en-US" sz="2268" spc="-1" dirty="0" err="1">
-                <a:solidFill>
-                  <a:srgbClr val="000000"/>
-                </a:solidFill>
-                <a:uFill>
-                  <a:solidFill>
-                    <a:srgbClr val="FFFFFF"/>
-                  </a:solidFill>
-                </a:uFill>
-                <a:latin typeface="Arial"/>
-                <a:ea typeface="Calibri"/>
-              </a:rPr>
-              <a:t>Angebote</a:t>
-            </a:r>
-            <a:r>
-              <a:rPr lang="en-US" sz="2268" spc="-1" dirty="0">
-                <a:solidFill>
-                  <a:srgbClr val="000000"/>
-                </a:solidFill>
-                <a:uFill>
-                  <a:solidFill>
-                    <a:srgbClr val="FFFFFF"/>
-                  </a:solidFill>
-                </a:uFill>
-                <a:latin typeface="Arial"/>
-                <a:ea typeface="Calibri"/>
-              </a:rPr>
-              <a:t>.</a:t>
-            </a:r>
-            <a:endParaRPr lang="de-DE" sz="2903" spc="-1" dirty="0">
-              <a:solidFill>
-                <a:srgbClr val="000000"/>
-              </a:solidFill>
-              <a:uFill>
-                <a:solidFill>
-                  <a:srgbClr val="FFFFFF"/>
-                </a:solidFill>
-              </a:uFill>
-              <a:latin typeface="Arial"/>
+              <a:effectLst/>
+              <a:latin typeface="Arial" panose="020B0604020202020204" pitchFamily="34" charset="0"/>
+              <a:cs typeface="Arial" panose="020B0604020202020204" pitchFamily="34" charset="0"/>
             </a:endParaRPr>
           </a:p>
         </p:txBody>
@@ -11567,7 +10661,7 @@
     </p:spTree>
     <p:extLst>
       <p:ext uri="{BB962C8B-B14F-4D97-AF65-F5344CB8AC3E}">
-        <p14:creationId xmlns:p14="http://schemas.microsoft.com/office/powerpoint/2010/main" val="414396158"/>
+        <p14:creationId xmlns:p14="http://schemas.microsoft.com/office/powerpoint/2010/main" val="2397543946"/>
       </p:ext>
     </p:extLst>
   </p:cSld>
@@ -11599,7 +10693,7 @@
           <p:cNvPr id="2" name="Titel 1">
             <a:extLst>
               <a:ext uri="{FF2B5EF4-FFF2-40B4-BE49-F238E27FC236}">
-                <a16:creationId xmlns:a16="http://schemas.microsoft.com/office/drawing/2014/main" id="{ABAAAA0B-7143-4F5F-9DBD-C36353BABADA}"/>
+                <a16:creationId xmlns:a16="http://schemas.microsoft.com/office/drawing/2014/main" id="{C59B507C-90D3-4CD7-966C-8AB6AA8EB211}"/>
               </a:ext>
             </a:extLst>
           </p:cNvPr>
@@ -11624,7 +10718,7 @@
                 <a:latin typeface="Arial" panose="020B0604020202020204" pitchFamily="34" charset="0"/>
                 <a:cs typeface="Arial" panose="020B0604020202020204" pitchFamily="34" charset="0"/>
               </a:rPr>
-              <a:t>Soll Konzept</a:t>
+              <a:t>Vorteile / Nachteile</a:t>
             </a:r>
           </a:p>
         </p:txBody>
@@ -11634,7 +10728,7 @@
           <p:cNvPr id="3" name="Inhaltsplatzhalter 2">
             <a:extLst>
               <a:ext uri="{FF2B5EF4-FFF2-40B4-BE49-F238E27FC236}">
-                <a16:creationId xmlns:a16="http://schemas.microsoft.com/office/drawing/2014/main" id="{E2D513F0-BA78-4AA8-B3AB-FCC3AAD1140F}"/>
+                <a16:creationId xmlns:a16="http://schemas.microsoft.com/office/drawing/2014/main" id="{35E8BDE6-4D03-442C-B3C3-9D3EE0B75C65}"/>
               </a:ext>
             </a:extLst>
           </p:cNvPr>
@@ -11648,7 +10742,7 @@
         <p:spPr/>
         <p:txBody>
           <a:bodyPr vert="horz" lIns="68580" tIns="34290" rIns="68580" bIns="34290" rtlCol="0" anchor="t">
-            <a:normAutofit/>
+            <a:normAutofit fontScale="92500" lnSpcReduction="10000"/>
           </a:bodyPr>
           <a:lstStyle/>
           <a:p>
@@ -11661,7 +10755,7 @@
                 <a:latin typeface="Arial" panose="020B0604020202020204" pitchFamily="34" charset="0"/>
                 <a:cs typeface="Arial" panose="020B0604020202020204" pitchFamily="34" charset="0"/>
               </a:rPr>
-              <a:t>Eine Website, die sich durch intuitive Bedienung auszeichnet</a:t>
+              <a:t>+Erhöhte Benutzerfreundlichkeit</a:t>
             </a:r>
           </a:p>
           <a:p>
@@ -11674,7 +10768,7 @@
                 <a:latin typeface="Arial" panose="020B0604020202020204" pitchFamily="34" charset="0"/>
                 <a:cs typeface="Arial" panose="020B0604020202020204" pitchFamily="34" charset="0"/>
               </a:rPr>
-              <a:t>Einfache Angebotserstellung, für Händler und Privatpersonen</a:t>
+              <a:t>+Erlaubt spontane Benutzung, ohne größeres Vorwissen / Planung</a:t>
             </a:r>
           </a:p>
           <a:p>
@@ -11687,7 +10781,7 @@
                 <a:latin typeface="Arial" panose="020B0604020202020204" pitchFamily="34" charset="0"/>
                 <a:cs typeface="Arial" panose="020B0604020202020204" pitchFamily="34" charset="0"/>
               </a:rPr>
-              <a:t>Simpel strukturierte Benutzeroberfläche mit Suche </a:t>
+              <a:t>+Ansprechend für breiteres Publikum</a:t>
             </a:r>
           </a:p>
           <a:p>
@@ -11700,21 +10794,10 @@
                 <a:latin typeface="Arial" panose="020B0604020202020204" pitchFamily="34" charset="0"/>
                 <a:cs typeface="Arial" panose="020B0604020202020204" pitchFamily="34" charset="0"/>
               </a:rPr>
-              <a:t>Übersichtsliste mit grundsätzlichen Infos</a:t>
-            </a:r>
-          </a:p>
-          <a:p>
-            <a:r>
-              <a:rPr lang="de-DE" sz="2000" b="0" dirty="0" err="1">
-                <a:solidFill>
-                  <a:schemeClr val="tx1"/>
-                </a:solidFill>
-                <a:effectLst/>
-                <a:latin typeface="Arial" panose="020B0604020202020204" pitchFamily="34" charset="0"/>
-                <a:cs typeface="Arial" panose="020B0604020202020204" pitchFamily="34" charset="0"/>
-              </a:rPr>
-              <a:t>Seperate</a:t>
-            </a:r>
+              <a:t>+Interessant für Kunden mit begrenzter Zeit / wenig Erfahrung</a:t>
+            </a:r>
+          </a:p>
+          <a:p>
             <a:r>
               <a:rPr lang="de-DE" sz="2000" b="0" dirty="0">
                 <a:solidFill>
@@ -11724,7 +10807,7 @@
                 <a:latin typeface="Arial" panose="020B0604020202020204" pitchFamily="34" charset="0"/>
                 <a:cs typeface="Arial" panose="020B0604020202020204" pitchFamily="34" charset="0"/>
               </a:rPr>
-              <a:t> Seite mit mehr Details zum Artikel</a:t>
+              <a:t>+Nicht ablenkend durch Überflüssige Elemente</a:t>
             </a:r>
           </a:p>
           <a:p>
@@ -11737,46 +10820,41 @@
                 <a:latin typeface="Arial" panose="020B0604020202020204" pitchFamily="34" charset="0"/>
                 <a:cs typeface="Arial" panose="020B0604020202020204" pitchFamily="34" charset="0"/>
               </a:rPr>
-              <a:t>Größere Bildanzahl für </a:t>
-            </a:r>
-            <a:r>
-              <a:rPr lang="de-DE" sz="2000" b="0" dirty="0" err="1">
-                <a:solidFill>
-                  <a:schemeClr val="tx1"/>
-                </a:solidFill>
-                <a:effectLst/>
-                <a:latin typeface="Arial" panose="020B0604020202020204" pitchFamily="34" charset="0"/>
-                <a:cs typeface="Arial" panose="020B0604020202020204" pitchFamily="34" charset="0"/>
-              </a:rPr>
-              <a:t>Premiumaccounts</a:t>
-            </a:r>
-          </a:p>
-          <a:p>
-            <a:endParaRPr lang="de-DE" sz="2000" b="0" dirty="0">
-              <a:solidFill>
-                <a:schemeClr val="tx1"/>
-              </a:solidFill>
-              <a:effectLst/>
-              <a:latin typeface="Arial" panose="020B0604020202020204" pitchFamily="34" charset="0"/>
-              <a:cs typeface="Arial" panose="020B0604020202020204" pitchFamily="34" charset="0"/>
-            </a:endParaRPr>
-          </a:p>
-          <a:p>
-            <a:endParaRPr lang="de-DE" sz="2000" b="0" dirty="0">
-              <a:solidFill>
-                <a:schemeClr val="tx1"/>
-              </a:solidFill>
-              <a:effectLst/>
-              <a:latin typeface="Arial" panose="020B0604020202020204" pitchFamily="34" charset="0"/>
-              <a:cs typeface="Arial" panose="020B0604020202020204" pitchFamily="34" charset="0"/>
-            </a:endParaRPr>
+              <a:t>+erweiterter Kundenkreis bei Parallelbenutzung mit anderen Seiten</a:t>
+            </a:r>
+          </a:p>
+          <a:p>
+            <a:r>
+              <a:rPr lang="de-DE" sz="2000" b="0" dirty="0">
+                <a:solidFill>
+                  <a:schemeClr val="tx1"/>
+                </a:solidFill>
+                <a:effectLst/>
+                <a:latin typeface="Arial" panose="020B0604020202020204" pitchFamily="34" charset="0"/>
+                <a:cs typeface="Arial" panose="020B0604020202020204" pitchFamily="34" charset="0"/>
+              </a:rPr>
+              <a:t>-benötigt Basis an Händlern, müssen erst gewisse Nutzermenge erreichen</a:t>
+            </a:r>
+          </a:p>
+          <a:p>
+            <a:r>
+              <a:rPr lang="de-DE" sz="2000" b="0" dirty="0">
+                <a:solidFill>
+                  <a:schemeClr val="tx1"/>
+                </a:solidFill>
+                <a:effectLst/>
+                <a:latin typeface="Arial" panose="020B0604020202020204" pitchFamily="34" charset="0"/>
+                <a:cs typeface="Arial" panose="020B0604020202020204" pitchFamily="34" charset="0"/>
+              </a:rPr>
+              <a:t>-stark etablierte Konkurrenz</a:t>
+            </a:r>
           </a:p>
         </p:txBody>
       </p:sp>
     </p:spTree>
     <p:extLst>
       <p:ext uri="{BB962C8B-B14F-4D97-AF65-F5344CB8AC3E}">
-        <p14:creationId xmlns:p14="http://schemas.microsoft.com/office/powerpoint/2010/main" val="2397543946"/>
+        <p14:creationId xmlns:p14="http://schemas.microsoft.com/office/powerpoint/2010/main" val="3594666927"/>
       </p:ext>
     </p:extLst>
   </p:cSld>
@@ -11808,7 +10886,7 @@
           <p:cNvPr id="2" name="Titel 1">
             <a:extLst>
               <a:ext uri="{FF2B5EF4-FFF2-40B4-BE49-F238E27FC236}">
-                <a16:creationId xmlns:a16="http://schemas.microsoft.com/office/drawing/2014/main" id="{C59B507C-90D3-4CD7-966C-8AB6AA8EB211}"/>
+                <a16:creationId xmlns:a16="http://schemas.microsoft.com/office/drawing/2014/main" id="{D3DF4B46-4EB5-4FDC-9364-0FF6DF149C63}"/>
               </a:ext>
             </a:extLst>
           </p:cNvPr>
@@ -11821,7 +10899,9 @@
         </p:nvSpPr>
         <p:spPr/>
         <p:txBody>
-          <a:bodyPr/>
+          <a:bodyPr>
+            <a:normAutofit/>
+          </a:bodyPr>
           <a:lstStyle/>
           <a:p>
             <a:r>
@@ -11833,8 +10913,18 @@
                 <a:latin typeface="Arial" panose="020B0604020202020204" pitchFamily="34" charset="0"/>
                 <a:cs typeface="Arial" panose="020B0604020202020204" pitchFamily="34" charset="0"/>
               </a:rPr>
-              <a:t>Vorteile / Nachteile</a:t>
-            </a:r>
+              <a:t>Beschreibung der gewählten Software-Architektur  </a:t>
+            </a:r>
+          </a:p>
+          <a:p>
+            <a:endParaRPr lang="de-DE" sz="2000" b="0" dirty="0">
+              <a:solidFill>
+                <a:schemeClr val="tx1"/>
+              </a:solidFill>
+              <a:effectLst/>
+              <a:latin typeface="Arial" panose="020B0604020202020204" pitchFamily="34" charset="0"/>
+              <a:cs typeface="Arial" panose="020B0604020202020204" pitchFamily="34" charset="0"/>
+            </a:endParaRPr>
           </a:p>
         </p:txBody>
       </p:sp>
@@ -11843,7 +10933,7 @@
           <p:cNvPr id="3" name="Inhaltsplatzhalter 2">
             <a:extLst>
               <a:ext uri="{FF2B5EF4-FFF2-40B4-BE49-F238E27FC236}">
-                <a16:creationId xmlns:a16="http://schemas.microsoft.com/office/drawing/2014/main" id="{35E8BDE6-4D03-442C-B3C3-9D3EE0B75C65}"/>
+                <a16:creationId xmlns:a16="http://schemas.microsoft.com/office/drawing/2014/main" id="{5D13EE06-EA6F-4B3B-8018-B0B41120DC91}"/>
               </a:ext>
             </a:extLst>
           </p:cNvPr>
@@ -11857,7 +10947,7 @@
         <p:spPr/>
         <p:txBody>
           <a:bodyPr vert="horz" lIns="68580" tIns="34290" rIns="68580" bIns="34290" rtlCol="0" anchor="t">
-            <a:normAutofit fontScale="92500" lnSpcReduction="10000"/>
+            <a:normAutofit fontScale="92500" lnSpcReduction="20000"/>
           </a:bodyPr>
           <a:lstStyle/>
           <a:p>
@@ -11870,10 +10960,21 @@
                 <a:latin typeface="Arial" panose="020B0604020202020204" pitchFamily="34" charset="0"/>
                 <a:cs typeface="Arial" panose="020B0604020202020204" pitchFamily="34" charset="0"/>
               </a:rPr>
-              <a:t>+Erhöhte Benutzerfreundlichkeit</a:t>
-            </a:r>
-          </a:p>
-          <a:p>
+              <a:t>Angular 5.2.4</a:t>
+            </a:r>
+          </a:p>
+          <a:p>
+            <a:r>
+              <a:rPr lang="de-DE" sz="2000" b="0" dirty="0" err="1">
+                <a:solidFill>
+                  <a:schemeClr val="tx1"/>
+                </a:solidFill>
+                <a:effectLst/>
+                <a:latin typeface="Arial" panose="020B0604020202020204" pitchFamily="34" charset="0"/>
+                <a:cs typeface="Arial" panose="020B0604020202020204" pitchFamily="34" charset="0"/>
+              </a:rPr>
+              <a:t>Typescript</a:t>
+            </a:r>
             <a:r>
               <a:rPr lang="de-DE" sz="2000" b="0" dirty="0">
                 <a:solidFill>
@@ -11883,7 +10984,7 @@
                 <a:latin typeface="Arial" panose="020B0604020202020204" pitchFamily="34" charset="0"/>
                 <a:cs typeface="Arial" panose="020B0604020202020204" pitchFamily="34" charset="0"/>
               </a:rPr>
-              <a:t>+Erlaubt spontane Benutzung, ohne größeres Vorwissen / Planung</a:t>
+              <a:t> &amp; node.js</a:t>
             </a:r>
           </a:p>
           <a:p>
@@ -11896,7 +10997,7 @@
                 <a:latin typeface="Arial" panose="020B0604020202020204" pitchFamily="34" charset="0"/>
                 <a:cs typeface="Arial" panose="020B0604020202020204" pitchFamily="34" charset="0"/>
               </a:rPr>
-              <a:t>+Ansprechend für breiteres Publikum</a:t>
+              <a:t>Komponentenbasierte Architektur</a:t>
             </a:r>
           </a:p>
           <a:p>
@@ -11909,10 +11010,19 @@
                 <a:latin typeface="Arial" panose="020B0604020202020204" pitchFamily="34" charset="0"/>
                 <a:cs typeface="Arial" panose="020B0604020202020204" pitchFamily="34" charset="0"/>
               </a:rPr>
-              <a:t>+Interessant für Kunden mit begrenzter Zeit / wenig Erfahrung</a:t>
-            </a:r>
-          </a:p>
-          <a:p>
+              <a:t>Flache </a:t>
+            </a:r>
+            <a:r>
+              <a:rPr lang="de-DE" sz="2000" b="0" dirty="0" err="1">
+                <a:solidFill>
+                  <a:schemeClr val="tx1"/>
+                </a:solidFill>
+                <a:effectLst/>
+                <a:latin typeface="Arial" panose="020B0604020202020204" pitchFamily="34" charset="0"/>
+                <a:cs typeface="Arial" panose="020B0604020202020204" pitchFamily="34" charset="0"/>
+              </a:rPr>
+              <a:t>Hierachie</a:t>
+            </a:r>
             <a:r>
               <a:rPr lang="de-DE" sz="2000" b="0" dirty="0">
                 <a:solidFill>
@@ -11922,7 +11032,7 @@
                 <a:latin typeface="Arial" panose="020B0604020202020204" pitchFamily="34" charset="0"/>
                 <a:cs typeface="Arial" panose="020B0604020202020204" pitchFamily="34" charset="0"/>
               </a:rPr>
-              <a:t>+Nicht ablenkend durch Überflüssige Elemente</a:t>
+              <a:t>, keine tiefe Verschachtelung</a:t>
             </a:r>
           </a:p>
           <a:p>
@@ -11935,10 +11045,19 @@
                 <a:latin typeface="Arial" panose="020B0604020202020204" pitchFamily="34" charset="0"/>
                 <a:cs typeface="Arial" panose="020B0604020202020204" pitchFamily="34" charset="0"/>
               </a:rPr>
-              <a:t>+erweiterter Kundenkreis bei Parallelbenutzung mit anderen Seiten</a:t>
-            </a:r>
-          </a:p>
-          <a:p>
+              <a:t>besteht aus </a:t>
+            </a:r>
+            <a:r>
+              <a:rPr lang="de-DE" sz="2000" b="0" dirty="0" err="1">
+                <a:solidFill>
+                  <a:schemeClr val="tx1"/>
+                </a:solidFill>
+                <a:effectLst/>
+                <a:latin typeface="Arial" panose="020B0604020202020204" pitchFamily="34" charset="0"/>
+                <a:cs typeface="Arial" panose="020B0604020202020204" pitchFamily="34" charset="0"/>
+              </a:rPr>
+              <a:t>Html</a:t>
+            </a:r>
             <a:r>
               <a:rPr lang="de-DE" sz="2000" b="0" dirty="0">
                 <a:solidFill>
@@ -11948,7 +11067,7 @@
                 <a:latin typeface="Arial" panose="020B0604020202020204" pitchFamily="34" charset="0"/>
                 <a:cs typeface="Arial" panose="020B0604020202020204" pitchFamily="34" charset="0"/>
               </a:rPr>
-              <a:t>-benötigt Basis an Händlern, müssen erst gewisse Nutzermenge erreichen</a:t>
+              <a:t> , Komponentenklasse, Testklasse, Testklasse</a:t>
             </a:r>
           </a:p>
           <a:p>
@@ -11961,7 +11080,103 @@
                 <a:latin typeface="Arial" panose="020B0604020202020204" pitchFamily="34" charset="0"/>
                 <a:cs typeface="Arial" panose="020B0604020202020204" pitchFamily="34" charset="0"/>
               </a:rPr>
-              <a:t>-stark etablierte Konkurrenz</a:t>
+              <a:t>Auslagerung der Businesslogik in eigene Services</a:t>
+            </a:r>
+          </a:p>
+          <a:p>
+            <a:r>
+              <a:rPr lang="de-DE" sz="2000" b="0" dirty="0">
+                <a:solidFill>
+                  <a:schemeClr val="tx1"/>
+                </a:solidFill>
+                <a:effectLst/>
+                <a:latin typeface="Arial" panose="020B0604020202020204" pitchFamily="34" charset="0"/>
+                <a:cs typeface="Arial" panose="020B0604020202020204" pitchFamily="34" charset="0"/>
+              </a:rPr>
+              <a:t>Test Driven Development</a:t>
+            </a:r>
+          </a:p>
+          <a:p>
+            <a:r>
+              <a:rPr lang="de-DE" sz="2000" b="0" dirty="0">
+                <a:solidFill>
+                  <a:schemeClr val="tx1"/>
+                </a:solidFill>
+                <a:effectLst/>
+                <a:latin typeface="Arial" panose="020B0604020202020204" pitchFamily="34" charset="0"/>
+                <a:cs typeface="Arial" panose="020B0604020202020204" pitchFamily="34" charset="0"/>
+              </a:rPr>
+              <a:t>Backend :</a:t>
+            </a:r>
+            <a:r>
+              <a:rPr lang="de-DE" sz="2000" b="0" dirty="0" err="1">
+                <a:solidFill>
+                  <a:schemeClr val="tx1"/>
+                </a:solidFill>
+                <a:effectLst/>
+                <a:latin typeface="Arial" panose="020B0604020202020204" pitchFamily="34" charset="0"/>
+                <a:cs typeface="Arial" panose="020B0604020202020204" pitchFamily="34" charset="0"/>
+              </a:rPr>
+              <a:t>RESTSchnittstelle</a:t>
+            </a:r>
+            <a:r>
+              <a:rPr lang="de-DE" sz="2000" b="0" dirty="0">
+                <a:solidFill>
+                  <a:schemeClr val="tx1"/>
+                </a:solidFill>
+                <a:effectLst/>
+                <a:latin typeface="Arial" panose="020B0604020202020204" pitchFamily="34" charset="0"/>
+                <a:cs typeface="Arial" panose="020B0604020202020204" pitchFamily="34" charset="0"/>
+              </a:rPr>
+              <a:t> Data Access Objects &amp; Router</a:t>
+            </a:r>
+          </a:p>
+          <a:p>
+            <a:r>
+              <a:rPr lang="de-DE" sz="2000" b="0" dirty="0">
+                <a:solidFill>
+                  <a:schemeClr val="tx1"/>
+                </a:solidFill>
+                <a:effectLst/>
+                <a:latin typeface="Arial" panose="020B0604020202020204" pitchFamily="34" charset="0"/>
+                <a:cs typeface="Arial" panose="020B0604020202020204" pitchFamily="34" charset="0"/>
+              </a:rPr>
+              <a:t>Frontend: Routing Module , Komponenten, Services, </a:t>
+            </a:r>
+          </a:p>
+          <a:p>
+            <a:r>
+              <a:rPr lang="de-DE" sz="2000" b="0" dirty="0">
+                <a:solidFill>
+                  <a:schemeClr val="tx1"/>
+                </a:solidFill>
+                <a:effectLst/>
+                <a:latin typeface="Arial" panose="020B0604020202020204" pitchFamily="34" charset="0"/>
+                <a:cs typeface="Arial" panose="020B0604020202020204" pitchFamily="34" charset="0"/>
+              </a:rPr>
+              <a:t>Klar getrennte </a:t>
+            </a:r>
+            <a:r>
+              <a:rPr lang="de-DE" sz="2000" b="0" dirty="0" err="1">
+                <a:solidFill>
+                  <a:schemeClr val="tx1"/>
+                </a:solidFill>
+                <a:effectLst/>
+                <a:latin typeface="Arial" panose="020B0604020202020204" pitchFamily="34" charset="0"/>
+                <a:cs typeface="Arial" panose="020B0604020202020204" pitchFamily="34" charset="0"/>
+              </a:rPr>
+              <a:t>Augaben</a:t>
+            </a:r>
+            <a:r>
+              <a:rPr lang="de-DE" sz="2000" b="0" dirty="0">
+                <a:solidFill>
+                  <a:schemeClr val="tx1"/>
+                </a:solidFill>
+                <a:effectLst/>
+                <a:latin typeface="Arial" panose="020B0604020202020204" pitchFamily="34" charset="0"/>
+                <a:cs typeface="Arial" panose="020B0604020202020204" pitchFamily="34" charset="0"/>
+              </a:rPr>
+              <a:t> der Komponenten</a:t>
             </a:r>
           </a:p>
         </p:txBody>
@@ -11969,7 +11184,7 @@
     </p:spTree>
     <p:extLst>
       <p:ext uri="{BB962C8B-B14F-4D97-AF65-F5344CB8AC3E}">
-        <p14:creationId xmlns:p14="http://schemas.microsoft.com/office/powerpoint/2010/main" val="3594666927"/>
+        <p14:creationId xmlns:p14="http://schemas.microsoft.com/office/powerpoint/2010/main" val="3991984140"/>
       </p:ext>
     </p:extLst>
   </p:cSld>
